--- a/_lectures/week01/lecture_c++ syntax.pptx
+++ b/_lectures/week01/lecture_c++ syntax.pptx
@@ -16,11 +16,25 @@
     <p:sldId id="264" r:id="rId10"/>
     <p:sldId id="265" r:id="rId11"/>
     <p:sldId id="266" r:id="rId12"/>
+    <p:sldId id="267" r:id="rId13"/>
+    <p:sldId id="268" r:id="rId14"/>
+    <p:sldId id="269" r:id="rId15"/>
+    <p:sldId id="270" r:id="rId16"/>
+    <p:sldId id="271" r:id="rId17"/>
+    <p:sldId id="272" r:id="rId18"/>
+    <p:sldId id="273" r:id="rId19"/>
+    <p:sldId id="274" r:id="rId20"/>
+    <p:sldId id="275" r:id="rId21"/>
+    <p:sldId id="276" r:id="rId22"/>
+    <p:sldId id="277" r:id="rId23"/>
+    <p:sldId id="278" r:id="rId24"/>
+    <p:sldId id="279" r:id="rId25"/>
+    <p:sldId id="280" r:id="rId26"/>
   </p:sldIdLst>
   <p:notesMasterIdLst>
-    <p:notesMasterId r:id="rId17"/>
+    <p:notesMasterId r:id="rId27"/>
   </p:notesMasterIdLst>
-  <p:sldSz cx="12192000" cy="6858000" type="custom"/>
+  <p:sldSz cx="12192000" cy="6858000"/>
   <p:notesSz cx="6858000" cy="12192000"/>
   <p:defaultTextStyle>
     <a:lvl1pPr marL="0" algn="l" defTabSz="914400" rtl="0" eaLnBrk="1" latinLnBrk="0" hangingPunct="1">
@@ -198,8 +212,8 @@
           </a:lstStyle>
           <a:p>
             <a:fld id="{5282F153-3F37-0F45-9E97-73ACFA13230C}" type="datetimeFigureOut">
-              <a:rPr lang="en-US" smtClean="0"/>
-              <a:t>6/20/18</a:t>
+              <a:rPr lang="en-US"/>
+              <a:t>7/23/19</a:t>
             </a:fld>
             <a:endParaRPr lang="en-US"/>
           </a:p>
@@ -263,38 +277,37 @@
           <a:p>
             <a:pPr lvl="0"/>
             <a:r>
-              <a:rPr lang="en-US" smtClean="0"/>
+              <a:rPr lang="en-US"/>
               <a:t>Click to edit Master text styles</a:t>
             </a:r>
           </a:p>
           <a:p>
             <a:pPr lvl="1"/>
             <a:r>
-              <a:rPr lang="en-US" smtClean="0"/>
+              <a:rPr lang="en-US"/>
               <a:t>Second level</a:t>
             </a:r>
           </a:p>
           <a:p>
             <a:pPr lvl="2"/>
             <a:r>
-              <a:rPr lang="en-US" smtClean="0"/>
+              <a:rPr lang="en-US"/>
               <a:t>Third level</a:t>
             </a:r>
           </a:p>
           <a:p>
             <a:pPr lvl="3"/>
             <a:r>
-              <a:rPr lang="en-US" smtClean="0"/>
+              <a:rPr lang="en-US"/>
               <a:t>Fourth level</a:t>
             </a:r>
           </a:p>
           <a:p>
             <a:pPr lvl="4"/>
             <a:r>
-              <a:rPr lang="en-US" smtClean="0"/>
+              <a:rPr lang="en-US"/>
               <a:t>Fifth level</a:t>
             </a:r>
-            <a:endParaRPr lang="en-US"/>
           </a:p>
         </p:txBody>
       </p:sp>
@@ -357,7 +370,7 @@
           </a:lstStyle>
           <a:p>
             <a:fld id="{CE5E9CC1-C706-0F49-92D6-E571CC5EEA8F}" type="slidenum">
-              <a:rPr lang="en-US" smtClean="0"/>
+              <a:rPr lang="en-US"/>
               <a:t>‹#›</a:t>
             </a:fld>
             <a:endParaRPr lang="en-US"/>
@@ -512,7 +525,7 @@
           <a:lstStyle/>
           <a:p>
             <a:r>
-              <a:rPr lang="en-US" dirty="0" smtClean="0"/>
+              <a:rPr lang="en-US" dirty="0"/>
               <a:t/>
             </a:r>
             <a:endParaRPr lang="en-US" dirty="0"/>
@@ -535,7 +548,7 @@
           <a:lstStyle/>
           <a:p>
             <a:fld id="{F7021451-1387-4CA6-816F-3879F97B5CBC}" type="slidenum">
-              <a:rPr lang="en-US" smtClean="0"/>
+              <a:rPr lang="en-US"/>
               <a:t>1</a:t>
             </a:fld>
             <a:endParaRPr lang="en-US"/>
@@ -600,7 +613,7 @@
           <a:lstStyle/>
           <a:p>
             <a:r>
-              <a:rPr lang="en-US" dirty="0" smtClean="0"/>
+              <a:rPr lang="en-US" dirty="0"/>
               <a:t/>
             </a:r>
             <a:endParaRPr lang="en-US" dirty="0"/>
@@ -623,7 +636,7 @@
           <a:lstStyle/>
           <a:p>
             <a:fld id="{F7021451-1387-4CA6-816F-3879F97B5CBC}" type="slidenum">
-              <a:rPr lang="en-US" smtClean="0"/>
+              <a:rPr lang="en-US"/>
               <a:t>10</a:t>
             </a:fld>
             <a:endParaRPr lang="en-US"/>
@@ -688,7 +701,7 @@
           <a:lstStyle/>
           <a:p>
             <a:r>
-              <a:rPr lang="en-US" dirty="0" smtClean="0"/>
+              <a:rPr lang="en-US" dirty="0"/>
               <a:t/>
             </a:r>
             <a:endParaRPr lang="en-US" dirty="0"/>
@@ -711,7 +724,7 @@
           <a:lstStyle/>
           <a:p>
             <a:fld id="{F7021451-1387-4CA6-816F-3879F97B5CBC}" type="slidenum">
-              <a:rPr lang="en-US" smtClean="0"/>
+              <a:rPr lang="en-US"/>
               <a:t>11</a:t>
             </a:fld>
             <a:endParaRPr lang="en-US"/>
@@ -731,7 +744,7 @@
 </p:notes>
 </file>
 
-<file path=ppt/notesSlides/notesSlide2.xml><?xml version="1.0" encoding="utf-8"?>
+<file path=ppt/notesSlides/notesSlide12.xml><?xml version="1.0" encoding="utf-8"?>
 <p:notes xmlns:a="http://schemas.openxmlformats.org/drawingml/2006/main" xmlns:r="http://schemas.openxmlformats.org/officeDocument/2006/relationships" xmlns:p="http://schemas.openxmlformats.org/presentationml/2006/main">
   <p:cSld>
     <p:spTree>
@@ -776,7 +789,7 @@
           <a:lstStyle/>
           <a:p>
             <a:r>
-              <a:rPr lang="en-US" dirty="0" smtClean="0"/>
+              <a:rPr lang="en-US" dirty="0"/>
               <a:t/>
             </a:r>
             <a:endParaRPr lang="en-US" dirty="0"/>
@@ -799,8 +812,8 @@
           <a:lstStyle/>
           <a:p>
             <a:fld id="{F7021451-1387-4CA6-816F-3879F97B5CBC}" type="slidenum">
-              <a:rPr lang="en-US" smtClean="0"/>
-              <a:t>2</a:t>
+              <a:rPr lang="en-US"/>
+              <a:t>12</a:t>
             </a:fld>
             <a:endParaRPr lang="en-US"/>
           </a:p>
@@ -819,7 +832,7 @@
 </p:notes>
 </file>
 
-<file path=ppt/notesSlides/notesSlide3.xml><?xml version="1.0" encoding="utf-8"?>
+<file path=ppt/notesSlides/notesSlide13.xml><?xml version="1.0" encoding="utf-8"?>
 <p:notes xmlns:a="http://schemas.openxmlformats.org/drawingml/2006/main" xmlns:r="http://schemas.openxmlformats.org/officeDocument/2006/relationships" xmlns:p="http://schemas.openxmlformats.org/presentationml/2006/main">
   <p:cSld>
     <p:spTree>
@@ -864,7 +877,7 @@
           <a:lstStyle/>
           <a:p>
             <a:r>
-              <a:rPr lang="en-US" dirty="0" smtClean="0"/>
+              <a:rPr lang="en-US" dirty="0"/>
               <a:t/>
             </a:r>
             <a:endParaRPr lang="en-US" dirty="0"/>
@@ -887,8 +900,8 @@
           <a:lstStyle/>
           <a:p>
             <a:fld id="{F7021451-1387-4CA6-816F-3879F97B5CBC}" type="slidenum">
-              <a:rPr lang="en-US" smtClean="0"/>
-              <a:t>3</a:t>
+              <a:rPr lang="en-US"/>
+              <a:t>13</a:t>
             </a:fld>
             <a:endParaRPr lang="en-US"/>
           </a:p>
@@ -907,7 +920,7 @@
 </p:notes>
 </file>
 
-<file path=ppt/notesSlides/notesSlide4.xml><?xml version="1.0" encoding="utf-8"?>
+<file path=ppt/notesSlides/notesSlide14.xml><?xml version="1.0" encoding="utf-8"?>
 <p:notes xmlns:a="http://schemas.openxmlformats.org/drawingml/2006/main" xmlns:r="http://schemas.openxmlformats.org/officeDocument/2006/relationships" xmlns:p="http://schemas.openxmlformats.org/presentationml/2006/main">
   <p:cSld>
     <p:spTree>
@@ -952,7 +965,7 @@
           <a:lstStyle/>
           <a:p>
             <a:r>
-              <a:rPr lang="en-US" dirty="0" smtClean="0"/>
+              <a:rPr lang="en-US" dirty="0"/>
               <a:t/>
             </a:r>
             <a:endParaRPr lang="en-US" dirty="0"/>
@@ -975,8 +988,8 @@
           <a:lstStyle/>
           <a:p>
             <a:fld id="{F7021451-1387-4CA6-816F-3879F97B5CBC}" type="slidenum">
-              <a:rPr lang="en-US" smtClean="0"/>
-              <a:t>4</a:t>
+              <a:rPr lang="en-US"/>
+              <a:t>14</a:t>
             </a:fld>
             <a:endParaRPr lang="en-US"/>
           </a:p>
@@ -995,7 +1008,7 @@
 </p:notes>
 </file>
 
-<file path=ppt/notesSlides/notesSlide5.xml><?xml version="1.0" encoding="utf-8"?>
+<file path=ppt/notesSlides/notesSlide15.xml><?xml version="1.0" encoding="utf-8"?>
 <p:notes xmlns:a="http://schemas.openxmlformats.org/drawingml/2006/main" xmlns:r="http://schemas.openxmlformats.org/officeDocument/2006/relationships" xmlns:p="http://schemas.openxmlformats.org/presentationml/2006/main">
   <p:cSld>
     <p:spTree>
@@ -1040,7 +1053,7 @@
           <a:lstStyle/>
           <a:p>
             <a:r>
-              <a:rPr lang="en-US" dirty="0" smtClean="0"/>
+              <a:rPr lang="en-US" dirty="0"/>
               <a:t/>
             </a:r>
             <a:endParaRPr lang="en-US" dirty="0"/>
@@ -1063,8 +1076,8 @@
           <a:lstStyle/>
           <a:p>
             <a:fld id="{F7021451-1387-4CA6-816F-3879F97B5CBC}" type="slidenum">
-              <a:rPr lang="en-US" smtClean="0"/>
-              <a:t>5</a:t>
+              <a:rPr lang="en-US"/>
+              <a:t>15</a:t>
             </a:fld>
             <a:endParaRPr lang="en-US"/>
           </a:p>
@@ -1083,7 +1096,7 @@
 </p:notes>
 </file>
 
-<file path=ppt/notesSlides/notesSlide6.xml><?xml version="1.0" encoding="utf-8"?>
+<file path=ppt/notesSlides/notesSlide16.xml><?xml version="1.0" encoding="utf-8"?>
 <p:notes xmlns:a="http://schemas.openxmlformats.org/drawingml/2006/main" xmlns:r="http://schemas.openxmlformats.org/officeDocument/2006/relationships" xmlns:p="http://schemas.openxmlformats.org/presentationml/2006/main">
   <p:cSld>
     <p:spTree>
@@ -1128,7 +1141,7 @@
           <a:lstStyle/>
           <a:p>
             <a:r>
-              <a:rPr lang="en-US" dirty="0" smtClean="0"/>
+              <a:rPr lang="en-US" dirty="0"/>
               <a:t/>
             </a:r>
             <a:endParaRPr lang="en-US" dirty="0"/>
@@ -1151,8 +1164,8 @@
           <a:lstStyle/>
           <a:p>
             <a:fld id="{F7021451-1387-4CA6-816F-3879F97B5CBC}" type="slidenum">
-              <a:rPr lang="en-US" smtClean="0"/>
-              <a:t>6</a:t>
+              <a:rPr lang="en-US"/>
+              <a:t>16</a:t>
             </a:fld>
             <a:endParaRPr lang="en-US"/>
           </a:p>
@@ -1171,7 +1184,7 @@
 </p:notes>
 </file>
 
-<file path=ppt/notesSlides/notesSlide7.xml><?xml version="1.0" encoding="utf-8"?>
+<file path=ppt/notesSlides/notesSlide17.xml><?xml version="1.0" encoding="utf-8"?>
 <p:notes xmlns:a="http://schemas.openxmlformats.org/drawingml/2006/main" xmlns:r="http://schemas.openxmlformats.org/officeDocument/2006/relationships" xmlns:p="http://schemas.openxmlformats.org/presentationml/2006/main">
   <p:cSld>
     <p:spTree>
@@ -1216,7 +1229,7 @@
           <a:lstStyle/>
           <a:p>
             <a:r>
-              <a:rPr lang="en-US" dirty="0" smtClean="0"/>
+              <a:rPr lang="en-US" dirty="0"/>
               <a:t/>
             </a:r>
             <a:endParaRPr lang="en-US" dirty="0"/>
@@ -1239,8 +1252,8 @@
           <a:lstStyle/>
           <a:p>
             <a:fld id="{F7021451-1387-4CA6-816F-3879F97B5CBC}" type="slidenum">
-              <a:rPr lang="en-US" smtClean="0"/>
-              <a:t>7</a:t>
+              <a:rPr lang="en-US"/>
+              <a:t>17</a:t>
             </a:fld>
             <a:endParaRPr lang="en-US"/>
           </a:p>
@@ -1259,7 +1272,7 @@
 </p:notes>
 </file>
 
-<file path=ppt/notesSlides/notesSlide8.xml><?xml version="1.0" encoding="utf-8"?>
+<file path=ppt/notesSlides/notesSlide18.xml><?xml version="1.0" encoding="utf-8"?>
 <p:notes xmlns:a="http://schemas.openxmlformats.org/drawingml/2006/main" xmlns:r="http://schemas.openxmlformats.org/officeDocument/2006/relationships" xmlns:p="http://schemas.openxmlformats.org/presentationml/2006/main">
   <p:cSld>
     <p:spTree>
@@ -1304,7 +1317,7 @@
           <a:lstStyle/>
           <a:p>
             <a:r>
-              <a:rPr lang="en-US" dirty="0" smtClean="0"/>
+              <a:rPr lang="en-US" dirty="0"/>
               <a:t/>
             </a:r>
             <a:endParaRPr lang="en-US" dirty="0"/>
@@ -1327,8 +1340,8 @@
           <a:lstStyle/>
           <a:p>
             <a:fld id="{F7021451-1387-4CA6-816F-3879F97B5CBC}" type="slidenum">
-              <a:rPr lang="en-US" smtClean="0"/>
-              <a:t>8</a:t>
+              <a:rPr lang="en-US"/>
+              <a:t>18</a:t>
             </a:fld>
             <a:endParaRPr lang="en-US"/>
           </a:p>
@@ -1347,7 +1360,7 @@
 </p:notes>
 </file>
 
-<file path=ppt/notesSlides/notesSlide9.xml><?xml version="1.0" encoding="utf-8"?>
+<file path=ppt/notesSlides/notesSlide19.xml><?xml version="1.0" encoding="utf-8"?>
 <p:notes xmlns:a="http://schemas.openxmlformats.org/drawingml/2006/main" xmlns:r="http://schemas.openxmlformats.org/officeDocument/2006/relationships" xmlns:p="http://schemas.openxmlformats.org/presentationml/2006/main">
   <p:cSld>
     <p:spTree>
@@ -1392,7 +1405,7 @@
           <a:lstStyle/>
           <a:p>
             <a:r>
-              <a:rPr lang="en-US" dirty="0" smtClean="0"/>
+              <a:rPr lang="en-US" dirty="0"/>
               <a:t/>
             </a:r>
             <a:endParaRPr lang="en-US" dirty="0"/>
@@ -1415,8 +1428,8 @@
           <a:lstStyle/>
           <a:p>
             <a:fld id="{F7021451-1387-4CA6-816F-3879F97B5CBC}" type="slidenum">
-              <a:rPr lang="en-US" smtClean="0"/>
-              <a:t>9</a:t>
+              <a:rPr lang="en-US"/>
+              <a:t>19</a:t>
             </a:fld>
             <a:endParaRPr lang="en-US"/>
           </a:p>
@@ -1435,437 +1448,1245 @@
 </p:notes>
 </file>
 
+<file path=ppt/notesSlides/notesSlide2.xml><?xml version="1.0" encoding="utf-8"?>
+<p:notes xmlns:a="http://schemas.openxmlformats.org/drawingml/2006/main" xmlns:r="http://schemas.openxmlformats.org/officeDocument/2006/relationships" xmlns:p="http://schemas.openxmlformats.org/presentationml/2006/main">
+  <p:cSld>
+    <p:spTree>
+      <p:nvGrpSpPr>
+        <p:cNvPr id="1" name=""/>
+        <p:cNvGrpSpPr/>
+        <p:nvPr/>
+      </p:nvGrpSpPr>
+      <p:grpSpPr>
+        <a:xfrm>
+          <a:off x="0" y="0"/>
+          <a:ext cx="0" cy="0"/>
+          <a:chOff x="0" y="0"/>
+          <a:chExt cx="0" cy="0"/>
+        </a:xfrm>
+      </p:grpSpPr>
+      <p:sp>
+        <p:nvSpPr>
+          <p:cNvPr id="2" name="Slide Image Placeholder 1"/>
+          <p:cNvSpPr>
+            <a:spLocks noGrp="1" noRot="1" noChangeAspect="1"/>
+          </p:cNvSpPr>
+          <p:nvPr>
+            <p:ph type="sldImg"/>
+          </p:nvPr>
+        </p:nvSpPr>
+        <p:spPr/>
+      </p:sp>
+      <p:sp>
+        <p:nvSpPr>
+          <p:cNvPr id="3" name="Notes Placeholder 2"/>
+          <p:cNvSpPr>
+            <a:spLocks noGrp="1"/>
+          </p:cNvSpPr>
+          <p:nvPr>
+            <p:ph type="body" idx="1"/>
+          </p:nvPr>
+        </p:nvSpPr>
+        <p:spPr/>
+        <p:txBody>
+          <a:bodyPr/>
+          <a:lstStyle/>
+          <a:p>
+            <a:r>
+              <a:rPr lang="en-US" dirty="0"/>
+              <a:t/>
+            </a:r>
+            <a:endParaRPr lang="en-US" dirty="0"/>
+          </a:p>
+        </p:txBody>
+      </p:sp>
+      <p:sp>
+        <p:nvSpPr>
+          <p:cNvPr id="4" name="Slide Number Placeholder 3"/>
+          <p:cNvSpPr>
+            <a:spLocks noGrp="1"/>
+          </p:cNvSpPr>
+          <p:nvPr>
+            <p:ph type="sldNum" sz="quarter" idx="10"/>
+          </p:nvPr>
+        </p:nvSpPr>
+        <p:spPr/>
+        <p:txBody>
+          <a:bodyPr/>
+          <a:lstStyle/>
+          <a:p>
+            <a:fld id="{F7021451-1387-4CA6-816F-3879F97B5CBC}" type="slidenum">
+              <a:rPr lang="en-US"/>
+              <a:t>2</a:t>
+            </a:fld>
+            <a:endParaRPr lang="en-US"/>
+          </a:p>
+        </p:txBody>
+      </p:sp>
+    </p:spTree>
+    <p:extLst>
+      <p:ext uri="{BB962C8B-B14F-4D97-AF65-F5344CB8AC3E}">
+        <p14:creationId xmlns:p14="http://schemas.microsoft.com/office/powerpoint/2010/main" val="1024086991"/>
+      </p:ext>
+    </p:extLst>
+  </p:cSld>
+  <p:clrMapOvr>
+    <a:masterClrMapping/>
+  </p:clrMapOvr>
+</p:notes>
+</file>
+
+<file path=ppt/notesSlides/notesSlide20.xml><?xml version="1.0" encoding="utf-8"?>
+<p:notes xmlns:a="http://schemas.openxmlformats.org/drawingml/2006/main" xmlns:r="http://schemas.openxmlformats.org/officeDocument/2006/relationships" xmlns:p="http://schemas.openxmlformats.org/presentationml/2006/main">
+  <p:cSld>
+    <p:spTree>
+      <p:nvGrpSpPr>
+        <p:cNvPr id="1" name=""/>
+        <p:cNvGrpSpPr/>
+        <p:nvPr/>
+      </p:nvGrpSpPr>
+      <p:grpSpPr>
+        <a:xfrm>
+          <a:off x="0" y="0"/>
+          <a:ext cx="0" cy="0"/>
+          <a:chOff x="0" y="0"/>
+          <a:chExt cx="0" cy="0"/>
+        </a:xfrm>
+      </p:grpSpPr>
+      <p:sp>
+        <p:nvSpPr>
+          <p:cNvPr id="2" name="Slide Image Placeholder 1"/>
+          <p:cNvSpPr>
+            <a:spLocks noGrp="1" noRot="1" noChangeAspect="1"/>
+          </p:cNvSpPr>
+          <p:nvPr>
+            <p:ph type="sldImg"/>
+          </p:nvPr>
+        </p:nvSpPr>
+        <p:spPr/>
+      </p:sp>
+      <p:sp>
+        <p:nvSpPr>
+          <p:cNvPr id="3" name="Notes Placeholder 2"/>
+          <p:cNvSpPr>
+            <a:spLocks noGrp="1"/>
+          </p:cNvSpPr>
+          <p:nvPr>
+            <p:ph type="body" idx="1"/>
+          </p:nvPr>
+        </p:nvSpPr>
+        <p:spPr/>
+        <p:txBody>
+          <a:bodyPr/>
+          <a:lstStyle/>
+          <a:p>
+            <a:r>
+              <a:rPr lang="en-US" dirty="0"/>
+              <a:t/>
+            </a:r>
+            <a:endParaRPr lang="en-US" dirty="0"/>
+          </a:p>
+        </p:txBody>
+      </p:sp>
+      <p:sp>
+        <p:nvSpPr>
+          <p:cNvPr id="4" name="Slide Number Placeholder 3"/>
+          <p:cNvSpPr>
+            <a:spLocks noGrp="1"/>
+          </p:cNvSpPr>
+          <p:nvPr>
+            <p:ph type="sldNum" sz="quarter" idx="10"/>
+          </p:nvPr>
+        </p:nvSpPr>
+        <p:spPr/>
+        <p:txBody>
+          <a:bodyPr/>
+          <a:lstStyle/>
+          <a:p>
+            <a:fld id="{F7021451-1387-4CA6-816F-3879F97B5CBC}" type="slidenum">
+              <a:rPr lang="en-US"/>
+              <a:t>20</a:t>
+            </a:fld>
+            <a:endParaRPr lang="en-US"/>
+          </a:p>
+        </p:txBody>
+      </p:sp>
+    </p:spTree>
+    <p:extLst>
+      <p:ext uri="{BB962C8B-B14F-4D97-AF65-F5344CB8AC3E}">
+        <p14:creationId xmlns:p14="http://schemas.microsoft.com/office/powerpoint/2010/main" val="1024086991"/>
+      </p:ext>
+    </p:extLst>
+  </p:cSld>
+  <p:clrMapOvr>
+    <a:masterClrMapping/>
+  </p:clrMapOvr>
+</p:notes>
+</file>
+
+<file path=ppt/notesSlides/notesSlide21.xml><?xml version="1.0" encoding="utf-8"?>
+<p:notes xmlns:a="http://schemas.openxmlformats.org/drawingml/2006/main" xmlns:r="http://schemas.openxmlformats.org/officeDocument/2006/relationships" xmlns:p="http://schemas.openxmlformats.org/presentationml/2006/main">
+  <p:cSld>
+    <p:spTree>
+      <p:nvGrpSpPr>
+        <p:cNvPr id="1" name=""/>
+        <p:cNvGrpSpPr/>
+        <p:nvPr/>
+      </p:nvGrpSpPr>
+      <p:grpSpPr>
+        <a:xfrm>
+          <a:off x="0" y="0"/>
+          <a:ext cx="0" cy="0"/>
+          <a:chOff x="0" y="0"/>
+          <a:chExt cx="0" cy="0"/>
+        </a:xfrm>
+      </p:grpSpPr>
+      <p:sp>
+        <p:nvSpPr>
+          <p:cNvPr id="2" name="Slide Image Placeholder 1"/>
+          <p:cNvSpPr>
+            <a:spLocks noGrp="1" noRot="1" noChangeAspect="1"/>
+          </p:cNvSpPr>
+          <p:nvPr>
+            <p:ph type="sldImg"/>
+          </p:nvPr>
+        </p:nvSpPr>
+        <p:spPr/>
+      </p:sp>
+      <p:sp>
+        <p:nvSpPr>
+          <p:cNvPr id="3" name="Notes Placeholder 2"/>
+          <p:cNvSpPr>
+            <a:spLocks noGrp="1"/>
+          </p:cNvSpPr>
+          <p:nvPr>
+            <p:ph type="body" idx="1"/>
+          </p:nvPr>
+        </p:nvSpPr>
+        <p:spPr/>
+        <p:txBody>
+          <a:bodyPr/>
+          <a:lstStyle/>
+          <a:p>
+            <a:r>
+              <a:rPr lang="en-US" dirty="0"/>
+              <a:t/>
+            </a:r>
+            <a:endParaRPr lang="en-US" dirty="0"/>
+          </a:p>
+        </p:txBody>
+      </p:sp>
+      <p:sp>
+        <p:nvSpPr>
+          <p:cNvPr id="4" name="Slide Number Placeholder 3"/>
+          <p:cNvSpPr>
+            <a:spLocks noGrp="1"/>
+          </p:cNvSpPr>
+          <p:nvPr>
+            <p:ph type="sldNum" sz="quarter" idx="10"/>
+          </p:nvPr>
+        </p:nvSpPr>
+        <p:spPr/>
+        <p:txBody>
+          <a:bodyPr/>
+          <a:lstStyle/>
+          <a:p>
+            <a:fld id="{F7021451-1387-4CA6-816F-3879F97B5CBC}" type="slidenum">
+              <a:rPr lang="en-US"/>
+              <a:t>21</a:t>
+            </a:fld>
+            <a:endParaRPr lang="en-US"/>
+          </a:p>
+        </p:txBody>
+      </p:sp>
+    </p:spTree>
+    <p:extLst>
+      <p:ext uri="{BB962C8B-B14F-4D97-AF65-F5344CB8AC3E}">
+        <p14:creationId xmlns:p14="http://schemas.microsoft.com/office/powerpoint/2010/main" val="1024086991"/>
+      </p:ext>
+    </p:extLst>
+  </p:cSld>
+  <p:clrMapOvr>
+    <a:masterClrMapping/>
+  </p:clrMapOvr>
+</p:notes>
+</file>
+
+<file path=ppt/notesSlides/notesSlide22.xml><?xml version="1.0" encoding="utf-8"?>
+<p:notes xmlns:a="http://schemas.openxmlformats.org/drawingml/2006/main" xmlns:r="http://schemas.openxmlformats.org/officeDocument/2006/relationships" xmlns:p="http://schemas.openxmlformats.org/presentationml/2006/main">
+  <p:cSld>
+    <p:spTree>
+      <p:nvGrpSpPr>
+        <p:cNvPr id="1" name=""/>
+        <p:cNvGrpSpPr/>
+        <p:nvPr/>
+      </p:nvGrpSpPr>
+      <p:grpSpPr>
+        <a:xfrm>
+          <a:off x="0" y="0"/>
+          <a:ext cx="0" cy="0"/>
+          <a:chOff x="0" y="0"/>
+          <a:chExt cx="0" cy="0"/>
+        </a:xfrm>
+      </p:grpSpPr>
+      <p:sp>
+        <p:nvSpPr>
+          <p:cNvPr id="2" name="Slide Image Placeholder 1"/>
+          <p:cNvSpPr>
+            <a:spLocks noGrp="1" noRot="1" noChangeAspect="1"/>
+          </p:cNvSpPr>
+          <p:nvPr>
+            <p:ph type="sldImg"/>
+          </p:nvPr>
+        </p:nvSpPr>
+        <p:spPr/>
+      </p:sp>
+      <p:sp>
+        <p:nvSpPr>
+          <p:cNvPr id="3" name="Notes Placeholder 2"/>
+          <p:cNvSpPr>
+            <a:spLocks noGrp="1"/>
+          </p:cNvSpPr>
+          <p:nvPr>
+            <p:ph type="body" idx="1"/>
+          </p:nvPr>
+        </p:nvSpPr>
+        <p:spPr/>
+        <p:txBody>
+          <a:bodyPr/>
+          <a:lstStyle/>
+          <a:p>
+            <a:r>
+              <a:rPr lang="en-US" dirty="0"/>
+              <a:t/>
+            </a:r>
+            <a:endParaRPr lang="en-US" dirty="0"/>
+          </a:p>
+        </p:txBody>
+      </p:sp>
+      <p:sp>
+        <p:nvSpPr>
+          <p:cNvPr id="4" name="Slide Number Placeholder 3"/>
+          <p:cNvSpPr>
+            <a:spLocks noGrp="1"/>
+          </p:cNvSpPr>
+          <p:nvPr>
+            <p:ph type="sldNum" sz="quarter" idx="10"/>
+          </p:nvPr>
+        </p:nvSpPr>
+        <p:spPr/>
+        <p:txBody>
+          <a:bodyPr/>
+          <a:lstStyle/>
+          <a:p>
+            <a:fld id="{F7021451-1387-4CA6-816F-3879F97B5CBC}" type="slidenum">
+              <a:rPr lang="en-US"/>
+              <a:t>22</a:t>
+            </a:fld>
+            <a:endParaRPr lang="en-US"/>
+          </a:p>
+        </p:txBody>
+      </p:sp>
+    </p:spTree>
+    <p:extLst>
+      <p:ext uri="{BB962C8B-B14F-4D97-AF65-F5344CB8AC3E}">
+        <p14:creationId xmlns:p14="http://schemas.microsoft.com/office/powerpoint/2010/main" val="1024086991"/>
+      </p:ext>
+    </p:extLst>
+  </p:cSld>
+  <p:clrMapOvr>
+    <a:masterClrMapping/>
+  </p:clrMapOvr>
+</p:notes>
+</file>
+
+<file path=ppt/notesSlides/notesSlide23.xml><?xml version="1.0" encoding="utf-8"?>
+<p:notes xmlns:a="http://schemas.openxmlformats.org/drawingml/2006/main" xmlns:r="http://schemas.openxmlformats.org/officeDocument/2006/relationships" xmlns:p="http://schemas.openxmlformats.org/presentationml/2006/main">
+  <p:cSld>
+    <p:spTree>
+      <p:nvGrpSpPr>
+        <p:cNvPr id="1" name=""/>
+        <p:cNvGrpSpPr/>
+        <p:nvPr/>
+      </p:nvGrpSpPr>
+      <p:grpSpPr>
+        <a:xfrm>
+          <a:off x="0" y="0"/>
+          <a:ext cx="0" cy="0"/>
+          <a:chOff x="0" y="0"/>
+          <a:chExt cx="0" cy="0"/>
+        </a:xfrm>
+      </p:grpSpPr>
+      <p:sp>
+        <p:nvSpPr>
+          <p:cNvPr id="2" name="Slide Image Placeholder 1"/>
+          <p:cNvSpPr>
+            <a:spLocks noGrp="1" noRot="1" noChangeAspect="1"/>
+          </p:cNvSpPr>
+          <p:nvPr>
+            <p:ph type="sldImg"/>
+          </p:nvPr>
+        </p:nvSpPr>
+        <p:spPr/>
+      </p:sp>
+      <p:sp>
+        <p:nvSpPr>
+          <p:cNvPr id="3" name="Notes Placeholder 2"/>
+          <p:cNvSpPr>
+            <a:spLocks noGrp="1"/>
+          </p:cNvSpPr>
+          <p:nvPr>
+            <p:ph type="body" idx="1"/>
+          </p:nvPr>
+        </p:nvSpPr>
+        <p:spPr/>
+        <p:txBody>
+          <a:bodyPr/>
+          <a:lstStyle/>
+          <a:p>
+            <a:r>
+              <a:rPr lang="en-US" dirty="0"/>
+              <a:t/>
+            </a:r>
+            <a:endParaRPr lang="en-US" dirty="0"/>
+          </a:p>
+        </p:txBody>
+      </p:sp>
+      <p:sp>
+        <p:nvSpPr>
+          <p:cNvPr id="4" name="Slide Number Placeholder 3"/>
+          <p:cNvSpPr>
+            <a:spLocks noGrp="1"/>
+          </p:cNvSpPr>
+          <p:nvPr>
+            <p:ph type="sldNum" sz="quarter" idx="10"/>
+          </p:nvPr>
+        </p:nvSpPr>
+        <p:spPr/>
+        <p:txBody>
+          <a:bodyPr/>
+          <a:lstStyle/>
+          <a:p>
+            <a:fld id="{F7021451-1387-4CA6-816F-3879F97B5CBC}" type="slidenum">
+              <a:rPr lang="en-US"/>
+              <a:t>23</a:t>
+            </a:fld>
+            <a:endParaRPr lang="en-US"/>
+          </a:p>
+        </p:txBody>
+      </p:sp>
+    </p:spTree>
+    <p:extLst>
+      <p:ext uri="{BB962C8B-B14F-4D97-AF65-F5344CB8AC3E}">
+        <p14:creationId xmlns:p14="http://schemas.microsoft.com/office/powerpoint/2010/main" val="1024086991"/>
+      </p:ext>
+    </p:extLst>
+  </p:cSld>
+  <p:clrMapOvr>
+    <a:masterClrMapping/>
+  </p:clrMapOvr>
+</p:notes>
+</file>
+
+<file path=ppt/notesSlides/notesSlide24.xml><?xml version="1.0" encoding="utf-8"?>
+<p:notes xmlns:a="http://schemas.openxmlformats.org/drawingml/2006/main" xmlns:r="http://schemas.openxmlformats.org/officeDocument/2006/relationships" xmlns:p="http://schemas.openxmlformats.org/presentationml/2006/main">
+  <p:cSld>
+    <p:spTree>
+      <p:nvGrpSpPr>
+        <p:cNvPr id="1" name=""/>
+        <p:cNvGrpSpPr/>
+        <p:nvPr/>
+      </p:nvGrpSpPr>
+      <p:grpSpPr>
+        <a:xfrm>
+          <a:off x="0" y="0"/>
+          <a:ext cx="0" cy="0"/>
+          <a:chOff x="0" y="0"/>
+          <a:chExt cx="0" cy="0"/>
+        </a:xfrm>
+      </p:grpSpPr>
+      <p:sp>
+        <p:nvSpPr>
+          <p:cNvPr id="2" name="Slide Image Placeholder 1"/>
+          <p:cNvSpPr>
+            <a:spLocks noGrp="1" noRot="1" noChangeAspect="1"/>
+          </p:cNvSpPr>
+          <p:nvPr>
+            <p:ph type="sldImg"/>
+          </p:nvPr>
+        </p:nvSpPr>
+        <p:spPr/>
+      </p:sp>
+      <p:sp>
+        <p:nvSpPr>
+          <p:cNvPr id="3" name="Notes Placeholder 2"/>
+          <p:cNvSpPr>
+            <a:spLocks noGrp="1"/>
+          </p:cNvSpPr>
+          <p:nvPr>
+            <p:ph type="body" idx="1"/>
+          </p:nvPr>
+        </p:nvSpPr>
+        <p:spPr/>
+        <p:txBody>
+          <a:bodyPr/>
+          <a:lstStyle/>
+          <a:p>
+            <a:r>
+              <a:rPr lang="en-US" dirty="0"/>
+              <a:t/>
+            </a:r>
+            <a:endParaRPr lang="en-US" dirty="0"/>
+          </a:p>
+        </p:txBody>
+      </p:sp>
+      <p:sp>
+        <p:nvSpPr>
+          <p:cNvPr id="4" name="Slide Number Placeholder 3"/>
+          <p:cNvSpPr>
+            <a:spLocks noGrp="1"/>
+          </p:cNvSpPr>
+          <p:nvPr>
+            <p:ph type="sldNum" sz="quarter" idx="10"/>
+          </p:nvPr>
+        </p:nvSpPr>
+        <p:spPr/>
+        <p:txBody>
+          <a:bodyPr/>
+          <a:lstStyle/>
+          <a:p>
+            <a:fld id="{F7021451-1387-4CA6-816F-3879F97B5CBC}" type="slidenum">
+              <a:rPr lang="en-US"/>
+              <a:t>24</a:t>
+            </a:fld>
+            <a:endParaRPr lang="en-US"/>
+          </a:p>
+        </p:txBody>
+      </p:sp>
+    </p:spTree>
+    <p:extLst>
+      <p:ext uri="{BB962C8B-B14F-4D97-AF65-F5344CB8AC3E}">
+        <p14:creationId xmlns:p14="http://schemas.microsoft.com/office/powerpoint/2010/main" val="1024086991"/>
+      </p:ext>
+    </p:extLst>
+  </p:cSld>
+  <p:clrMapOvr>
+    <a:masterClrMapping/>
+  </p:clrMapOvr>
+</p:notes>
+</file>
+
+<file path=ppt/notesSlides/notesSlide25.xml><?xml version="1.0" encoding="utf-8"?>
+<p:notes xmlns:a="http://schemas.openxmlformats.org/drawingml/2006/main" xmlns:r="http://schemas.openxmlformats.org/officeDocument/2006/relationships" xmlns:p="http://schemas.openxmlformats.org/presentationml/2006/main">
+  <p:cSld>
+    <p:spTree>
+      <p:nvGrpSpPr>
+        <p:cNvPr id="1" name=""/>
+        <p:cNvGrpSpPr/>
+        <p:nvPr/>
+      </p:nvGrpSpPr>
+      <p:grpSpPr>
+        <a:xfrm>
+          <a:off x="0" y="0"/>
+          <a:ext cx="0" cy="0"/>
+          <a:chOff x="0" y="0"/>
+          <a:chExt cx="0" cy="0"/>
+        </a:xfrm>
+      </p:grpSpPr>
+      <p:sp>
+        <p:nvSpPr>
+          <p:cNvPr id="2" name="Slide Image Placeholder 1"/>
+          <p:cNvSpPr>
+            <a:spLocks noGrp="1" noRot="1" noChangeAspect="1"/>
+          </p:cNvSpPr>
+          <p:nvPr>
+            <p:ph type="sldImg"/>
+          </p:nvPr>
+        </p:nvSpPr>
+        <p:spPr/>
+      </p:sp>
+      <p:sp>
+        <p:nvSpPr>
+          <p:cNvPr id="3" name="Notes Placeholder 2"/>
+          <p:cNvSpPr>
+            <a:spLocks noGrp="1"/>
+          </p:cNvSpPr>
+          <p:nvPr>
+            <p:ph type="body" idx="1"/>
+          </p:nvPr>
+        </p:nvSpPr>
+        <p:spPr/>
+        <p:txBody>
+          <a:bodyPr/>
+          <a:lstStyle/>
+          <a:p>
+            <a:r>
+              <a:rPr lang="en-US" dirty="0"/>
+              <a:t/>
+            </a:r>
+            <a:endParaRPr lang="en-US" dirty="0"/>
+          </a:p>
+        </p:txBody>
+      </p:sp>
+      <p:sp>
+        <p:nvSpPr>
+          <p:cNvPr id="4" name="Slide Number Placeholder 3"/>
+          <p:cNvSpPr>
+            <a:spLocks noGrp="1"/>
+          </p:cNvSpPr>
+          <p:nvPr>
+            <p:ph type="sldNum" sz="quarter" idx="10"/>
+          </p:nvPr>
+        </p:nvSpPr>
+        <p:spPr/>
+        <p:txBody>
+          <a:bodyPr/>
+          <a:lstStyle/>
+          <a:p>
+            <a:fld id="{F7021451-1387-4CA6-816F-3879F97B5CBC}" type="slidenum">
+              <a:rPr lang="en-US"/>
+              <a:t>25</a:t>
+            </a:fld>
+            <a:endParaRPr lang="en-US"/>
+          </a:p>
+        </p:txBody>
+      </p:sp>
+    </p:spTree>
+    <p:extLst>
+      <p:ext uri="{BB962C8B-B14F-4D97-AF65-F5344CB8AC3E}">
+        <p14:creationId xmlns:p14="http://schemas.microsoft.com/office/powerpoint/2010/main" val="1024086991"/>
+      </p:ext>
+    </p:extLst>
+  </p:cSld>
+  <p:clrMapOvr>
+    <a:masterClrMapping/>
+  </p:clrMapOvr>
+</p:notes>
+</file>
+
+<file path=ppt/notesSlides/notesSlide3.xml><?xml version="1.0" encoding="utf-8"?>
+<p:notes xmlns:a="http://schemas.openxmlformats.org/drawingml/2006/main" xmlns:r="http://schemas.openxmlformats.org/officeDocument/2006/relationships" xmlns:p="http://schemas.openxmlformats.org/presentationml/2006/main">
+  <p:cSld>
+    <p:spTree>
+      <p:nvGrpSpPr>
+        <p:cNvPr id="1" name=""/>
+        <p:cNvGrpSpPr/>
+        <p:nvPr/>
+      </p:nvGrpSpPr>
+      <p:grpSpPr>
+        <a:xfrm>
+          <a:off x="0" y="0"/>
+          <a:ext cx="0" cy="0"/>
+          <a:chOff x="0" y="0"/>
+          <a:chExt cx="0" cy="0"/>
+        </a:xfrm>
+      </p:grpSpPr>
+      <p:sp>
+        <p:nvSpPr>
+          <p:cNvPr id="2" name="Slide Image Placeholder 1"/>
+          <p:cNvSpPr>
+            <a:spLocks noGrp="1" noRot="1" noChangeAspect="1"/>
+          </p:cNvSpPr>
+          <p:nvPr>
+            <p:ph type="sldImg"/>
+          </p:nvPr>
+        </p:nvSpPr>
+        <p:spPr/>
+      </p:sp>
+      <p:sp>
+        <p:nvSpPr>
+          <p:cNvPr id="3" name="Notes Placeholder 2"/>
+          <p:cNvSpPr>
+            <a:spLocks noGrp="1"/>
+          </p:cNvSpPr>
+          <p:nvPr>
+            <p:ph type="body" idx="1"/>
+          </p:nvPr>
+        </p:nvSpPr>
+        <p:spPr/>
+        <p:txBody>
+          <a:bodyPr/>
+          <a:lstStyle/>
+          <a:p>
+            <a:r>
+              <a:rPr lang="en-US" dirty="0"/>
+              <a:t/>
+            </a:r>
+            <a:endParaRPr lang="en-US" dirty="0"/>
+          </a:p>
+        </p:txBody>
+      </p:sp>
+      <p:sp>
+        <p:nvSpPr>
+          <p:cNvPr id="4" name="Slide Number Placeholder 3"/>
+          <p:cNvSpPr>
+            <a:spLocks noGrp="1"/>
+          </p:cNvSpPr>
+          <p:nvPr>
+            <p:ph type="sldNum" sz="quarter" idx="10"/>
+          </p:nvPr>
+        </p:nvSpPr>
+        <p:spPr/>
+        <p:txBody>
+          <a:bodyPr/>
+          <a:lstStyle/>
+          <a:p>
+            <a:fld id="{F7021451-1387-4CA6-816F-3879F97B5CBC}" type="slidenum">
+              <a:rPr lang="en-US"/>
+              <a:t>3</a:t>
+            </a:fld>
+            <a:endParaRPr lang="en-US"/>
+          </a:p>
+        </p:txBody>
+      </p:sp>
+    </p:spTree>
+    <p:extLst>
+      <p:ext uri="{BB962C8B-B14F-4D97-AF65-F5344CB8AC3E}">
+        <p14:creationId xmlns:p14="http://schemas.microsoft.com/office/powerpoint/2010/main" val="1024086991"/>
+      </p:ext>
+    </p:extLst>
+  </p:cSld>
+  <p:clrMapOvr>
+    <a:masterClrMapping/>
+  </p:clrMapOvr>
+</p:notes>
+</file>
+
+<file path=ppt/notesSlides/notesSlide4.xml><?xml version="1.0" encoding="utf-8"?>
+<p:notes xmlns:a="http://schemas.openxmlformats.org/drawingml/2006/main" xmlns:r="http://schemas.openxmlformats.org/officeDocument/2006/relationships" xmlns:p="http://schemas.openxmlformats.org/presentationml/2006/main">
+  <p:cSld>
+    <p:spTree>
+      <p:nvGrpSpPr>
+        <p:cNvPr id="1" name=""/>
+        <p:cNvGrpSpPr/>
+        <p:nvPr/>
+      </p:nvGrpSpPr>
+      <p:grpSpPr>
+        <a:xfrm>
+          <a:off x="0" y="0"/>
+          <a:ext cx="0" cy="0"/>
+          <a:chOff x="0" y="0"/>
+          <a:chExt cx="0" cy="0"/>
+        </a:xfrm>
+      </p:grpSpPr>
+      <p:sp>
+        <p:nvSpPr>
+          <p:cNvPr id="2" name="Slide Image Placeholder 1"/>
+          <p:cNvSpPr>
+            <a:spLocks noGrp="1" noRot="1" noChangeAspect="1"/>
+          </p:cNvSpPr>
+          <p:nvPr>
+            <p:ph type="sldImg"/>
+          </p:nvPr>
+        </p:nvSpPr>
+        <p:spPr/>
+      </p:sp>
+      <p:sp>
+        <p:nvSpPr>
+          <p:cNvPr id="3" name="Notes Placeholder 2"/>
+          <p:cNvSpPr>
+            <a:spLocks noGrp="1"/>
+          </p:cNvSpPr>
+          <p:nvPr>
+            <p:ph type="body" idx="1"/>
+          </p:nvPr>
+        </p:nvSpPr>
+        <p:spPr/>
+        <p:txBody>
+          <a:bodyPr/>
+          <a:lstStyle/>
+          <a:p>
+            <a:r>
+              <a:rPr lang="en-US" dirty="0"/>
+              <a:t/>
+            </a:r>
+            <a:endParaRPr lang="en-US" dirty="0"/>
+          </a:p>
+        </p:txBody>
+      </p:sp>
+      <p:sp>
+        <p:nvSpPr>
+          <p:cNvPr id="4" name="Slide Number Placeholder 3"/>
+          <p:cNvSpPr>
+            <a:spLocks noGrp="1"/>
+          </p:cNvSpPr>
+          <p:nvPr>
+            <p:ph type="sldNum" sz="quarter" idx="10"/>
+          </p:nvPr>
+        </p:nvSpPr>
+        <p:spPr/>
+        <p:txBody>
+          <a:bodyPr/>
+          <a:lstStyle/>
+          <a:p>
+            <a:fld id="{F7021451-1387-4CA6-816F-3879F97B5CBC}" type="slidenum">
+              <a:rPr lang="en-US"/>
+              <a:t>4</a:t>
+            </a:fld>
+            <a:endParaRPr lang="en-US"/>
+          </a:p>
+        </p:txBody>
+      </p:sp>
+    </p:spTree>
+    <p:extLst>
+      <p:ext uri="{BB962C8B-B14F-4D97-AF65-F5344CB8AC3E}">
+        <p14:creationId xmlns:p14="http://schemas.microsoft.com/office/powerpoint/2010/main" val="1024086991"/>
+      </p:ext>
+    </p:extLst>
+  </p:cSld>
+  <p:clrMapOvr>
+    <a:masterClrMapping/>
+  </p:clrMapOvr>
+</p:notes>
+</file>
+
+<file path=ppt/notesSlides/notesSlide5.xml><?xml version="1.0" encoding="utf-8"?>
+<p:notes xmlns:a="http://schemas.openxmlformats.org/drawingml/2006/main" xmlns:r="http://schemas.openxmlformats.org/officeDocument/2006/relationships" xmlns:p="http://schemas.openxmlformats.org/presentationml/2006/main">
+  <p:cSld>
+    <p:spTree>
+      <p:nvGrpSpPr>
+        <p:cNvPr id="1" name=""/>
+        <p:cNvGrpSpPr/>
+        <p:nvPr/>
+      </p:nvGrpSpPr>
+      <p:grpSpPr>
+        <a:xfrm>
+          <a:off x="0" y="0"/>
+          <a:ext cx="0" cy="0"/>
+          <a:chOff x="0" y="0"/>
+          <a:chExt cx="0" cy="0"/>
+        </a:xfrm>
+      </p:grpSpPr>
+      <p:sp>
+        <p:nvSpPr>
+          <p:cNvPr id="2" name="Slide Image Placeholder 1"/>
+          <p:cNvSpPr>
+            <a:spLocks noGrp="1" noRot="1" noChangeAspect="1"/>
+          </p:cNvSpPr>
+          <p:nvPr>
+            <p:ph type="sldImg"/>
+          </p:nvPr>
+        </p:nvSpPr>
+        <p:spPr/>
+      </p:sp>
+      <p:sp>
+        <p:nvSpPr>
+          <p:cNvPr id="3" name="Notes Placeholder 2"/>
+          <p:cNvSpPr>
+            <a:spLocks noGrp="1"/>
+          </p:cNvSpPr>
+          <p:nvPr>
+            <p:ph type="body" idx="1"/>
+          </p:nvPr>
+        </p:nvSpPr>
+        <p:spPr/>
+        <p:txBody>
+          <a:bodyPr/>
+          <a:lstStyle/>
+          <a:p>
+            <a:r>
+              <a:rPr lang="en-US" dirty="0"/>
+              <a:t/>
+            </a:r>
+            <a:endParaRPr lang="en-US" dirty="0"/>
+          </a:p>
+        </p:txBody>
+      </p:sp>
+      <p:sp>
+        <p:nvSpPr>
+          <p:cNvPr id="4" name="Slide Number Placeholder 3"/>
+          <p:cNvSpPr>
+            <a:spLocks noGrp="1"/>
+          </p:cNvSpPr>
+          <p:nvPr>
+            <p:ph type="sldNum" sz="quarter" idx="10"/>
+          </p:nvPr>
+        </p:nvSpPr>
+        <p:spPr/>
+        <p:txBody>
+          <a:bodyPr/>
+          <a:lstStyle/>
+          <a:p>
+            <a:fld id="{F7021451-1387-4CA6-816F-3879F97B5CBC}" type="slidenum">
+              <a:rPr lang="en-US"/>
+              <a:t>5</a:t>
+            </a:fld>
+            <a:endParaRPr lang="en-US"/>
+          </a:p>
+        </p:txBody>
+      </p:sp>
+    </p:spTree>
+    <p:extLst>
+      <p:ext uri="{BB962C8B-B14F-4D97-AF65-F5344CB8AC3E}">
+        <p14:creationId xmlns:p14="http://schemas.microsoft.com/office/powerpoint/2010/main" val="1024086991"/>
+      </p:ext>
+    </p:extLst>
+  </p:cSld>
+  <p:clrMapOvr>
+    <a:masterClrMapping/>
+  </p:clrMapOvr>
+</p:notes>
+</file>
+
+<file path=ppt/notesSlides/notesSlide6.xml><?xml version="1.0" encoding="utf-8"?>
+<p:notes xmlns:a="http://schemas.openxmlformats.org/drawingml/2006/main" xmlns:r="http://schemas.openxmlformats.org/officeDocument/2006/relationships" xmlns:p="http://schemas.openxmlformats.org/presentationml/2006/main">
+  <p:cSld>
+    <p:spTree>
+      <p:nvGrpSpPr>
+        <p:cNvPr id="1" name=""/>
+        <p:cNvGrpSpPr/>
+        <p:nvPr/>
+      </p:nvGrpSpPr>
+      <p:grpSpPr>
+        <a:xfrm>
+          <a:off x="0" y="0"/>
+          <a:ext cx="0" cy="0"/>
+          <a:chOff x="0" y="0"/>
+          <a:chExt cx="0" cy="0"/>
+        </a:xfrm>
+      </p:grpSpPr>
+      <p:sp>
+        <p:nvSpPr>
+          <p:cNvPr id="2" name="Slide Image Placeholder 1"/>
+          <p:cNvSpPr>
+            <a:spLocks noGrp="1" noRot="1" noChangeAspect="1"/>
+          </p:cNvSpPr>
+          <p:nvPr>
+            <p:ph type="sldImg"/>
+          </p:nvPr>
+        </p:nvSpPr>
+        <p:spPr/>
+      </p:sp>
+      <p:sp>
+        <p:nvSpPr>
+          <p:cNvPr id="3" name="Notes Placeholder 2"/>
+          <p:cNvSpPr>
+            <a:spLocks noGrp="1"/>
+          </p:cNvSpPr>
+          <p:nvPr>
+            <p:ph type="body" idx="1"/>
+          </p:nvPr>
+        </p:nvSpPr>
+        <p:spPr/>
+        <p:txBody>
+          <a:bodyPr/>
+          <a:lstStyle/>
+          <a:p>
+            <a:r>
+              <a:rPr lang="en-US" dirty="0"/>
+              <a:t/>
+            </a:r>
+            <a:endParaRPr lang="en-US" dirty="0"/>
+          </a:p>
+        </p:txBody>
+      </p:sp>
+      <p:sp>
+        <p:nvSpPr>
+          <p:cNvPr id="4" name="Slide Number Placeholder 3"/>
+          <p:cNvSpPr>
+            <a:spLocks noGrp="1"/>
+          </p:cNvSpPr>
+          <p:nvPr>
+            <p:ph type="sldNum" sz="quarter" idx="10"/>
+          </p:nvPr>
+        </p:nvSpPr>
+        <p:spPr/>
+        <p:txBody>
+          <a:bodyPr/>
+          <a:lstStyle/>
+          <a:p>
+            <a:fld id="{F7021451-1387-4CA6-816F-3879F97B5CBC}" type="slidenum">
+              <a:rPr lang="en-US"/>
+              <a:t>6</a:t>
+            </a:fld>
+            <a:endParaRPr lang="en-US"/>
+          </a:p>
+        </p:txBody>
+      </p:sp>
+    </p:spTree>
+    <p:extLst>
+      <p:ext uri="{BB962C8B-B14F-4D97-AF65-F5344CB8AC3E}">
+        <p14:creationId xmlns:p14="http://schemas.microsoft.com/office/powerpoint/2010/main" val="1024086991"/>
+      </p:ext>
+    </p:extLst>
+  </p:cSld>
+  <p:clrMapOvr>
+    <a:masterClrMapping/>
+  </p:clrMapOvr>
+</p:notes>
+</file>
+
+<file path=ppt/notesSlides/notesSlide7.xml><?xml version="1.0" encoding="utf-8"?>
+<p:notes xmlns:a="http://schemas.openxmlformats.org/drawingml/2006/main" xmlns:r="http://schemas.openxmlformats.org/officeDocument/2006/relationships" xmlns:p="http://schemas.openxmlformats.org/presentationml/2006/main">
+  <p:cSld>
+    <p:spTree>
+      <p:nvGrpSpPr>
+        <p:cNvPr id="1" name=""/>
+        <p:cNvGrpSpPr/>
+        <p:nvPr/>
+      </p:nvGrpSpPr>
+      <p:grpSpPr>
+        <a:xfrm>
+          <a:off x="0" y="0"/>
+          <a:ext cx="0" cy="0"/>
+          <a:chOff x="0" y="0"/>
+          <a:chExt cx="0" cy="0"/>
+        </a:xfrm>
+      </p:grpSpPr>
+      <p:sp>
+        <p:nvSpPr>
+          <p:cNvPr id="2" name="Slide Image Placeholder 1"/>
+          <p:cNvSpPr>
+            <a:spLocks noGrp="1" noRot="1" noChangeAspect="1"/>
+          </p:cNvSpPr>
+          <p:nvPr>
+            <p:ph type="sldImg"/>
+          </p:nvPr>
+        </p:nvSpPr>
+        <p:spPr/>
+      </p:sp>
+      <p:sp>
+        <p:nvSpPr>
+          <p:cNvPr id="3" name="Notes Placeholder 2"/>
+          <p:cNvSpPr>
+            <a:spLocks noGrp="1"/>
+          </p:cNvSpPr>
+          <p:nvPr>
+            <p:ph type="body" idx="1"/>
+          </p:nvPr>
+        </p:nvSpPr>
+        <p:spPr/>
+        <p:txBody>
+          <a:bodyPr/>
+          <a:lstStyle/>
+          <a:p>
+            <a:r>
+              <a:rPr lang="en-US" dirty="0"/>
+              <a:t/>
+            </a:r>
+            <a:endParaRPr lang="en-US" dirty="0"/>
+          </a:p>
+        </p:txBody>
+      </p:sp>
+      <p:sp>
+        <p:nvSpPr>
+          <p:cNvPr id="4" name="Slide Number Placeholder 3"/>
+          <p:cNvSpPr>
+            <a:spLocks noGrp="1"/>
+          </p:cNvSpPr>
+          <p:nvPr>
+            <p:ph type="sldNum" sz="quarter" idx="10"/>
+          </p:nvPr>
+        </p:nvSpPr>
+        <p:spPr/>
+        <p:txBody>
+          <a:bodyPr/>
+          <a:lstStyle/>
+          <a:p>
+            <a:fld id="{F7021451-1387-4CA6-816F-3879F97B5CBC}" type="slidenum">
+              <a:rPr lang="en-US"/>
+              <a:t>7</a:t>
+            </a:fld>
+            <a:endParaRPr lang="en-US"/>
+          </a:p>
+        </p:txBody>
+      </p:sp>
+    </p:spTree>
+    <p:extLst>
+      <p:ext uri="{BB962C8B-B14F-4D97-AF65-F5344CB8AC3E}">
+        <p14:creationId xmlns:p14="http://schemas.microsoft.com/office/powerpoint/2010/main" val="1024086991"/>
+      </p:ext>
+    </p:extLst>
+  </p:cSld>
+  <p:clrMapOvr>
+    <a:masterClrMapping/>
+  </p:clrMapOvr>
+</p:notes>
+</file>
+
+<file path=ppt/notesSlides/notesSlide8.xml><?xml version="1.0" encoding="utf-8"?>
+<p:notes xmlns:a="http://schemas.openxmlformats.org/drawingml/2006/main" xmlns:r="http://schemas.openxmlformats.org/officeDocument/2006/relationships" xmlns:p="http://schemas.openxmlformats.org/presentationml/2006/main">
+  <p:cSld>
+    <p:spTree>
+      <p:nvGrpSpPr>
+        <p:cNvPr id="1" name=""/>
+        <p:cNvGrpSpPr/>
+        <p:nvPr/>
+      </p:nvGrpSpPr>
+      <p:grpSpPr>
+        <a:xfrm>
+          <a:off x="0" y="0"/>
+          <a:ext cx="0" cy="0"/>
+          <a:chOff x="0" y="0"/>
+          <a:chExt cx="0" cy="0"/>
+        </a:xfrm>
+      </p:grpSpPr>
+      <p:sp>
+        <p:nvSpPr>
+          <p:cNvPr id="2" name="Slide Image Placeholder 1"/>
+          <p:cNvSpPr>
+            <a:spLocks noGrp="1" noRot="1" noChangeAspect="1"/>
+          </p:cNvSpPr>
+          <p:nvPr>
+            <p:ph type="sldImg"/>
+          </p:nvPr>
+        </p:nvSpPr>
+        <p:spPr/>
+      </p:sp>
+      <p:sp>
+        <p:nvSpPr>
+          <p:cNvPr id="3" name="Notes Placeholder 2"/>
+          <p:cNvSpPr>
+            <a:spLocks noGrp="1"/>
+          </p:cNvSpPr>
+          <p:nvPr>
+            <p:ph type="body" idx="1"/>
+          </p:nvPr>
+        </p:nvSpPr>
+        <p:spPr/>
+        <p:txBody>
+          <a:bodyPr/>
+          <a:lstStyle/>
+          <a:p>
+            <a:r>
+              <a:rPr lang="en-US" dirty="0"/>
+              <a:t/>
+            </a:r>
+            <a:endParaRPr lang="en-US" dirty="0"/>
+          </a:p>
+        </p:txBody>
+      </p:sp>
+      <p:sp>
+        <p:nvSpPr>
+          <p:cNvPr id="4" name="Slide Number Placeholder 3"/>
+          <p:cNvSpPr>
+            <a:spLocks noGrp="1"/>
+          </p:cNvSpPr>
+          <p:nvPr>
+            <p:ph type="sldNum" sz="quarter" idx="10"/>
+          </p:nvPr>
+        </p:nvSpPr>
+        <p:spPr/>
+        <p:txBody>
+          <a:bodyPr/>
+          <a:lstStyle/>
+          <a:p>
+            <a:fld id="{F7021451-1387-4CA6-816F-3879F97B5CBC}" type="slidenum">
+              <a:rPr lang="en-US"/>
+              <a:t>8</a:t>
+            </a:fld>
+            <a:endParaRPr lang="en-US"/>
+          </a:p>
+        </p:txBody>
+      </p:sp>
+    </p:spTree>
+    <p:extLst>
+      <p:ext uri="{BB962C8B-B14F-4D97-AF65-F5344CB8AC3E}">
+        <p14:creationId xmlns:p14="http://schemas.microsoft.com/office/powerpoint/2010/main" val="1024086991"/>
+      </p:ext>
+    </p:extLst>
+  </p:cSld>
+  <p:clrMapOvr>
+    <a:masterClrMapping/>
+  </p:clrMapOvr>
+</p:notes>
+</file>
+
+<file path=ppt/notesSlides/notesSlide9.xml><?xml version="1.0" encoding="utf-8"?>
+<p:notes xmlns:a="http://schemas.openxmlformats.org/drawingml/2006/main" xmlns:r="http://schemas.openxmlformats.org/officeDocument/2006/relationships" xmlns:p="http://schemas.openxmlformats.org/presentationml/2006/main">
+  <p:cSld>
+    <p:spTree>
+      <p:nvGrpSpPr>
+        <p:cNvPr id="1" name=""/>
+        <p:cNvGrpSpPr/>
+        <p:nvPr/>
+      </p:nvGrpSpPr>
+      <p:grpSpPr>
+        <a:xfrm>
+          <a:off x="0" y="0"/>
+          <a:ext cx="0" cy="0"/>
+          <a:chOff x="0" y="0"/>
+          <a:chExt cx="0" cy="0"/>
+        </a:xfrm>
+      </p:grpSpPr>
+      <p:sp>
+        <p:nvSpPr>
+          <p:cNvPr id="2" name="Slide Image Placeholder 1"/>
+          <p:cNvSpPr>
+            <a:spLocks noGrp="1" noRot="1" noChangeAspect="1"/>
+          </p:cNvSpPr>
+          <p:nvPr>
+            <p:ph type="sldImg"/>
+          </p:nvPr>
+        </p:nvSpPr>
+        <p:spPr/>
+      </p:sp>
+      <p:sp>
+        <p:nvSpPr>
+          <p:cNvPr id="3" name="Notes Placeholder 2"/>
+          <p:cNvSpPr>
+            <a:spLocks noGrp="1"/>
+          </p:cNvSpPr>
+          <p:nvPr>
+            <p:ph type="body" idx="1"/>
+          </p:nvPr>
+        </p:nvSpPr>
+        <p:spPr/>
+        <p:txBody>
+          <a:bodyPr/>
+          <a:lstStyle/>
+          <a:p>
+            <a:r>
+              <a:rPr lang="en-US" dirty="0"/>
+              <a:t/>
+            </a:r>
+            <a:endParaRPr lang="en-US" dirty="0"/>
+          </a:p>
+        </p:txBody>
+      </p:sp>
+      <p:sp>
+        <p:nvSpPr>
+          <p:cNvPr id="4" name="Slide Number Placeholder 3"/>
+          <p:cNvSpPr>
+            <a:spLocks noGrp="1"/>
+          </p:cNvSpPr>
+          <p:nvPr>
+            <p:ph type="sldNum" sz="quarter" idx="10"/>
+          </p:nvPr>
+        </p:nvSpPr>
+        <p:spPr/>
+        <p:txBody>
+          <a:bodyPr/>
+          <a:lstStyle/>
+          <a:p>
+            <a:fld id="{F7021451-1387-4CA6-816F-3879F97B5CBC}" type="slidenum">
+              <a:rPr lang="en-US"/>
+              <a:t>9</a:t>
+            </a:fld>
+            <a:endParaRPr lang="en-US"/>
+          </a:p>
+        </p:txBody>
+      </p:sp>
+    </p:spTree>
+    <p:extLst>
+      <p:ext uri="{BB962C8B-B14F-4D97-AF65-F5344CB8AC3E}">
+        <p14:creationId xmlns:p14="http://schemas.microsoft.com/office/powerpoint/2010/main" val="1024086991"/>
+      </p:ext>
+    </p:extLst>
+  </p:cSld>
+  <p:clrMapOvr>
+    <a:masterClrMapping/>
+  </p:clrMapOvr>
+</p:notes>
+</file>
+
 <file path=ppt/slideLayouts/slideLayout1.xml><?xml version="1.0" encoding="utf-8"?>
 <p:sldLayout xmlns:a="http://schemas.openxmlformats.org/drawingml/2006/main" xmlns:r="http://schemas.openxmlformats.org/officeDocument/2006/relationships" xmlns:p="http://schemas.openxmlformats.org/presentationml/2006/main" preserve="1">
-  <p:cSld name="BLANK">
-    <p:spTree>
-      <p:nvGrpSpPr>
-        <p:cNvPr id="1" name=""/>
-        <p:cNvGrpSpPr/>
-        <p:nvPr/>
-      </p:nvGrpSpPr>
-      <p:grpSpPr>
-        <a:xfrm>
-          <a:off x="0" y="0"/>
-          <a:ext cx="0" cy="0"/>
-          <a:chOff x="0" y="0"/>
-          <a:chExt cx="0" cy="0"/>
-        </a:xfrm>
-      </p:grpSpPr>
-    </p:spTree>
-  </p:cSld>
-  <p:clrMapOvr>
-    <a:masterClrMapping/>
-  </p:clrMapOvr>
-</p:sldLayout>
-</file>
-
-<file path=ppt/slideLayouts/slideLayout10.xml><?xml version="1.0" encoding="utf-8"?>
-<p:sldLayout xmlns:a="http://schemas.openxmlformats.org/drawingml/2006/main" xmlns:r="http://schemas.openxmlformats.org/officeDocument/2006/relationships" xmlns:p="http://schemas.openxmlformats.org/presentationml/2006/main" preserve="1">
-  <p:cSld name="Page 9">
+  <p:cSld name="DEFAULT">
     <p:bg>
-      <p:bgPr>
-        <a:blipFill dpi="0" rotWithShape="1">
-          <a:blip r:embed="rId1">
-            <a:lum/>
-          </a:blip>
-          <a:srcRect/>
-          <a:stretch>
-            <a:fillRect/>
-          </a:stretch>
-        </a:blipFill>
-        <a:effectLst/>
-      </p:bgPr>
-    </p:bg>
-    <p:spTree>
-      <p:nvGrpSpPr>
-        <p:cNvPr id="1" name=""/>
-        <p:cNvGrpSpPr/>
-        <p:nvPr/>
-      </p:nvGrpSpPr>
-      <p:grpSpPr>
-        <a:xfrm>
-          <a:off x="0" y="0"/>
-          <a:ext cx="0" cy="0"/>
-          <a:chOff x="0" y="0"/>
-          <a:chExt cx="0" cy="0"/>
-        </a:xfrm>
-      </p:grpSpPr>
-    </p:spTree>
-  </p:cSld>
-  <p:clrMapOvr>
-    <a:masterClrMapping/>
-  </p:clrMapOvr>
-</p:sldLayout>
-</file>
-
-<file path=ppt/slideLayouts/slideLayout11.xml><?xml version="1.0" encoding="utf-8"?>
-<p:sldLayout xmlns:a="http://schemas.openxmlformats.org/drawingml/2006/main" xmlns:r="http://schemas.openxmlformats.org/officeDocument/2006/relationships" xmlns:p="http://schemas.openxmlformats.org/presentationml/2006/main" preserve="1">
-  <p:cSld name="Page 10">
-    <p:bg>
-      <p:bgPr>
-        <a:blipFill dpi="0" rotWithShape="1">
-          <a:blip r:embed="rId1">
-            <a:lum/>
-          </a:blip>
-          <a:srcRect/>
-          <a:stretch>
-            <a:fillRect/>
-          </a:stretch>
-        </a:blipFill>
-        <a:effectLst/>
-      </p:bgPr>
-    </p:bg>
-    <p:spTree>
-      <p:nvGrpSpPr>
-        <p:cNvPr id="1" name=""/>
-        <p:cNvGrpSpPr/>
-        <p:nvPr/>
-      </p:nvGrpSpPr>
-      <p:grpSpPr>
-        <a:xfrm>
-          <a:off x="0" y="0"/>
-          <a:ext cx="0" cy="0"/>
-          <a:chOff x="0" y="0"/>
-          <a:chExt cx="0" cy="0"/>
-        </a:xfrm>
-      </p:grpSpPr>
-    </p:spTree>
-  </p:cSld>
-  <p:clrMapOvr>
-    <a:masterClrMapping/>
-  </p:clrMapOvr>
-</p:sldLayout>
-</file>
-
-<file path=ppt/slideLayouts/slideLayout12.xml><?xml version="1.0" encoding="utf-8"?>
-<p:sldLayout xmlns:a="http://schemas.openxmlformats.org/drawingml/2006/main" xmlns:r="http://schemas.openxmlformats.org/officeDocument/2006/relationships" xmlns:p="http://schemas.openxmlformats.org/presentationml/2006/main" preserve="1">
-  <p:cSld name="Page 11">
-    <p:bg>
-      <p:bgPr>
-        <a:blipFill dpi="0" rotWithShape="1">
-          <a:blip r:embed="rId1">
-            <a:lum/>
-          </a:blip>
-          <a:srcRect/>
-          <a:stretch>
-            <a:fillRect/>
-          </a:stretch>
-        </a:blipFill>
-        <a:effectLst/>
-      </p:bgPr>
-    </p:bg>
-    <p:spTree>
-      <p:nvGrpSpPr>
-        <p:cNvPr id="1" name=""/>
-        <p:cNvGrpSpPr/>
-        <p:nvPr/>
-      </p:nvGrpSpPr>
-      <p:grpSpPr>
-        <a:xfrm>
-          <a:off x="0" y="0"/>
-          <a:ext cx="0" cy="0"/>
-          <a:chOff x="0" y="0"/>
-          <a:chExt cx="0" cy="0"/>
-        </a:xfrm>
-      </p:grpSpPr>
-    </p:spTree>
-  </p:cSld>
-  <p:clrMapOvr>
-    <a:masterClrMapping/>
-  </p:clrMapOvr>
-</p:sldLayout>
-</file>
-
-<file path=ppt/slideLayouts/slideLayout2.xml><?xml version="1.0" encoding="utf-8"?>
-<p:sldLayout xmlns:a="http://schemas.openxmlformats.org/drawingml/2006/main" xmlns:r="http://schemas.openxmlformats.org/officeDocument/2006/relationships" xmlns:p="http://schemas.openxmlformats.org/presentationml/2006/main" preserve="1">
-  <p:cSld name="Page 1">
-    <p:bg>
-      <p:bgPr>
-        <a:blipFill dpi="0" rotWithShape="1">
-          <a:blip r:embed="rId1">
-            <a:lum/>
-          </a:blip>
-          <a:srcRect/>
-          <a:stretch>
-            <a:fillRect/>
-          </a:stretch>
-        </a:blipFill>
-        <a:effectLst/>
-      </p:bgPr>
-    </p:bg>
-    <p:spTree>
-      <p:nvGrpSpPr>
-        <p:cNvPr id="1" name=""/>
-        <p:cNvGrpSpPr/>
-        <p:nvPr/>
-      </p:nvGrpSpPr>
-      <p:grpSpPr>
-        <a:xfrm>
-          <a:off x="0" y="0"/>
-          <a:ext cx="0" cy="0"/>
-          <a:chOff x="0" y="0"/>
-          <a:chExt cx="0" cy="0"/>
-        </a:xfrm>
-      </p:grpSpPr>
-    </p:spTree>
-  </p:cSld>
-  <p:clrMapOvr>
-    <a:masterClrMapping/>
-  </p:clrMapOvr>
-</p:sldLayout>
-</file>
-
-<file path=ppt/slideLayouts/slideLayout3.xml><?xml version="1.0" encoding="utf-8"?>
-<p:sldLayout xmlns:a="http://schemas.openxmlformats.org/drawingml/2006/main" xmlns:r="http://schemas.openxmlformats.org/officeDocument/2006/relationships" xmlns:p="http://schemas.openxmlformats.org/presentationml/2006/main" preserve="1">
-  <p:cSld name="Page 2">
-    <p:bg>
-      <p:bgPr>
-        <a:blipFill dpi="0" rotWithShape="1">
-          <a:blip r:embed="rId1">
-            <a:lum/>
-          </a:blip>
-          <a:srcRect/>
-          <a:stretch>
-            <a:fillRect/>
-          </a:stretch>
-        </a:blipFill>
-        <a:effectLst/>
-      </p:bgPr>
-    </p:bg>
-    <p:spTree>
-      <p:nvGrpSpPr>
-        <p:cNvPr id="1" name=""/>
-        <p:cNvGrpSpPr/>
-        <p:nvPr/>
-      </p:nvGrpSpPr>
-      <p:grpSpPr>
-        <a:xfrm>
-          <a:off x="0" y="0"/>
-          <a:ext cx="0" cy="0"/>
-          <a:chOff x="0" y="0"/>
-          <a:chExt cx="0" cy="0"/>
-        </a:xfrm>
-      </p:grpSpPr>
-    </p:spTree>
-  </p:cSld>
-  <p:clrMapOvr>
-    <a:masterClrMapping/>
-  </p:clrMapOvr>
-</p:sldLayout>
-</file>
-
-<file path=ppt/slideLayouts/slideLayout4.xml><?xml version="1.0" encoding="utf-8"?>
-<p:sldLayout xmlns:a="http://schemas.openxmlformats.org/drawingml/2006/main" xmlns:r="http://schemas.openxmlformats.org/officeDocument/2006/relationships" xmlns:p="http://schemas.openxmlformats.org/presentationml/2006/main" preserve="1">
-  <p:cSld name="Page 3">
-    <p:bg>
-      <p:bgPr>
-        <a:blipFill dpi="0" rotWithShape="1">
-          <a:blip r:embed="rId1">
-            <a:lum/>
-          </a:blip>
-          <a:srcRect/>
-          <a:stretch>
-            <a:fillRect/>
-          </a:stretch>
-        </a:blipFill>
-        <a:effectLst/>
-      </p:bgPr>
-    </p:bg>
-    <p:spTree>
-      <p:nvGrpSpPr>
-        <p:cNvPr id="1" name=""/>
-        <p:cNvGrpSpPr/>
-        <p:nvPr/>
-      </p:nvGrpSpPr>
-      <p:grpSpPr>
-        <a:xfrm>
-          <a:off x="0" y="0"/>
-          <a:ext cx="0" cy="0"/>
-          <a:chOff x="0" y="0"/>
-          <a:chExt cx="0" cy="0"/>
-        </a:xfrm>
-      </p:grpSpPr>
-    </p:spTree>
-  </p:cSld>
-  <p:clrMapOvr>
-    <a:masterClrMapping/>
-  </p:clrMapOvr>
-</p:sldLayout>
-</file>
-
-<file path=ppt/slideLayouts/slideLayout5.xml><?xml version="1.0" encoding="utf-8"?>
-<p:sldLayout xmlns:a="http://schemas.openxmlformats.org/drawingml/2006/main" xmlns:r="http://schemas.openxmlformats.org/officeDocument/2006/relationships" xmlns:p="http://schemas.openxmlformats.org/presentationml/2006/main" preserve="1">
-  <p:cSld name="Page 4">
-    <p:bg>
-      <p:bgPr>
-        <a:blipFill dpi="0" rotWithShape="1">
-          <a:blip r:embed="rId1">
-            <a:lum/>
-          </a:blip>
-          <a:srcRect/>
-          <a:stretch>
-            <a:fillRect/>
-          </a:stretch>
-        </a:blipFill>
-        <a:effectLst/>
-      </p:bgPr>
-    </p:bg>
-    <p:spTree>
-      <p:nvGrpSpPr>
-        <p:cNvPr id="1" name=""/>
-        <p:cNvGrpSpPr/>
-        <p:nvPr/>
-      </p:nvGrpSpPr>
-      <p:grpSpPr>
-        <a:xfrm>
-          <a:off x="0" y="0"/>
-          <a:ext cx="0" cy="0"/>
-          <a:chOff x="0" y="0"/>
-          <a:chExt cx="0" cy="0"/>
-        </a:xfrm>
-      </p:grpSpPr>
-    </p:spTree>
-  </p:cSld>
-  <p:clrMapOvr>
-    <a:masterClrMapping/>
-  </p:clrMapOvr>
-</p:sldLayout>
-</file>
-
-<file path=ppt/slideLayouts/slideLayout6.xml><?xml version="1.0" encoding="utf-8"?>
-<p:sldLayout xmlns:a="http://schemas.openxmlformats.org/drawingml/2006/main" xmlns:r="http://schemas.openxmlformats.org/officeDocument/2006/relationships" xmlns:p="http://schemas.openxmlformats.org/presentationml/2006/main" preserve="1">
-  <p:cSld name="Page 5">
-    <p:bg>
-      <p:bgPr>
-        <a:blipFill dpi="0" rotWithShape="1">
-          <a:blip r:embed="rId1">
-            <a:lum/>
-          </a:blip>
-          <a:srcRect/>
-          <a:stretch>
-            <a:fillRect/>
-          </a:stretch>
-        </a:blipFill>
-        <a:effectLst/>
-      </p:bgPr>
-    </p:bg>
-    <p:spTree>
-      <p:nvGrpSpPr>
-        <p:cNvPr id="1" name=""/>
-        <p:cNvGrpSpPr/>
-        <p:nvPr/>
-      </p:nvGrpSpPr>
-      <p:grpSpPr>
-        <a:xfrm>
-          <a:off x="0" y="0"/>
-          <a:ext cx="0" cy="0"/>
-          <a:chOff x="0" y="0"/>
-          <a:chExt cx="0" cy="0"/>
-        </a:xfrm>
-      </p:grpSpPr>
-    </p:spTree>
-  </p:cSld>
-  <p:clrMapOvr>
-    <a:masterClrMapping/>
-  </p:clrMapOvr>
-</p:sldLayout>
-</file>
-
-<file path=ppt/slideLayouts/slideLayout7.xml><?xml version="1.0" encoding="utf-8"?>
-<p:sldLayout xmlns:a="http://schemas.openxmlformats.org/drawingml/2006/main" xmlns:r="http://schemas.openxmlformats.org/officeDocument/2006/relationships" xmlns:p="http://schemas.openxmlformats.org/presentationml/2006/main" preserve="1">
-  <p:cSld name="Page 6">
-    <p:bg>
-      <p:bgPr>
-        <a:blipFill dpi="0" rotWithShape="1">
-          <a:blip r:embed="rId1">
-            <a:lum/>
-          </a:blip>
-          <a:srcRect/>
-          <a:stretch>
-            <a:fillRect/>
-          </a:stretch>
-        </a:blipFill>
-        <a:effectLst/>
-      </p:bgPr>
-    </p:bg>
-    <p:spTree>
-      <p:nvGrpSpPr>
-        <p:cNvPr id="1" name=""/>
-        <p:cNvGrpSpPr/>
-        <p:nvPr/>
-      </p:nvGrpSpPr>
-      <p:grpSpPr>
-        <a:xfrm>
-          <a:off x="0" y="0"/>
-          <a:ext cx="0" cy="0"/>
-          <a:chOff x="0" y="0"/>
-          <a:chExt cx="0" cy="0"/>
-        </a:xfrm>
-      </p:grpSpPr>
-    </p:spTree>
-  </p:cSld>
-  <p:clrMapOvr>
-    <a:masterClrMapping/>
-  </p:clrMapOvr>
-</p:sldLayout>
-</file>
-
-<file path=ppt/slideLayouts/slideLayout8.xml><?xml version="1.0" encoding="utf-8"?>
-<p:sldLayout xmlns:a="http://schemas.openxmlformats.org/drawingml/2006/main" xmlns:r="http://schemas.openxmlformats.org/officeDocument/2006/relationships" xmlns:p="http://schemas.openxmlformats.org/presentationml/2006/main" preserve="1">
-  <p:cSld name="Page 7">
-    <p:bg>
-      <p:bgPr>
-        <a:blipFill dpi="0" rotWithShape="1">
-          <a:blip r:embed="rId1">
-            <a:lum/>
-          </a:blip>
-          <a:srcRect/>
-          <a:stretch>
-            <a:fillRect/>
-          </a:stretch>
-        </a:blipFill>
-        <a:effectLst/>
-      </p:bgPr>
-    </p:bg>
-    <p:spTree>
-      <p:nvGrpSpPr>
-        <p:cNvPr id="1" name=""/>
-        <p:cNvGrpSpPr/>
-        <p:nvPr/>
-      </p:nvGrpSpPr>
-      <p:grpSpPr>
-        <a:xfrm>
-          <a:off x="0" y="0"/>
-          <a:ext cx="0" cy="0"/>
-          <a:chOff x="0" y="0"/>
-          <a:chExt cx="0" cy="0"/>
-        </a:xfrm>
-      </p:grpSpPr>
-    </p:spTree>
-  </p:cSld>
-  <p:clrMapOvr>
-    <a:masterClrMapping/>
-  </p:clrMapOvr>
-</p:sldLayout>
-</file>
-
-<file path=ppt/slideLayouts/slideLayout9.xml><?xml version="1.0" encoding="utf-8"?>
-<p:sldLayout xmlns:a="http://schemas.openxmlformats.org/drawingml/2006/main" xmlns:r="http://schemas.openxmlformats.org/officeDocument/2006/relationships" xmlns:p="http://schemas.openxmlformats.org/presentationml/2006/main" preserve="1">
-  <p:cSld name="Page 8">
-    <p:bg>
-      <p:bgPr>
-        <a:blipFill dpi="0" rotWithShape="1">
-          <a:blip r:embed="rId1">
-            <a:lum/>
-          </a:blip>
-          <a:srcRect/>
-          <a:stretch>
-            <a:fillRect/>
-          </a:stretch>
-        </a:blipFill>
-        <a:effectLst/>
-      </p:bgPr>
+      <p:bgRef idx="1001">
+        <a:schemeClr val="bg1"/>
+      </p:bgRef>
     </p:bg>
     <p:spTree>
       <p:nvGrpSpPr>
@@ -1911,17 +2732,6 @@
   <p:clrMap bg1="lt1" tx1="dk1" bg2="lt2" tx2="dk2" accent1="accent1" accent2="accent2" accent3="accent3" accent4="accent4" accent5="accent5" accent6="accent6" hlink="hlink" folHlink="folHlink"/>
   <p:sldLayoutIdLst>
     <p:sldLayoutId id="2147483649" r:id="rId1"/>
-    <p:sldLayoutId id="2147483650" r:id="rId2"/>
-    <p:sldLayoutId id="2147483651" r:id="rId3"/>
-    <p:sldLayoutId id="2147483652" r:id="rId4"/>
-    <p:sldLayoutId id="2147483653" r:id="rId5"/>
-    <p:sldLayoutId id="2147483654" r:id="rId6"/>
-    <p:sldLayoutId id="2147483655" r:id="rId7"/>
-    <p:sldLayoutId id="2147483656" r:id="rId8"/>
-    <p:sldLayoutId id="2147483657" r:id="rId9"/>
-    <p:sldLayoutId id="2147483658" r:id="rId10"/>
-    <p:sldLayoutId id="2147483659" r:id="rId11"/>
-    <p:sldLayoutId id="2147483660" r:id="rId12"/>
   </p:sldLayoutIdLst>
   <p:hf sldNum="0" hdr="0" ftr="0" dt="0"/>
   <p:txStyles>
@@ -2180,6 +2990,20 @@
 <file path=ppt/slides/slide1.xml><?xml version="1.0" encoding="utf-8"?>
 <p:sld xmlns:a="http://schemas.openxmlformats.org/drawingml/2006/main" xmlns:r="http://schemas.openxmlformats.org/officeDocument/2006/relationships" xmlns:p="http://schemas.openxmlformats.org/presentationml/2006/main">
   <p:cSld name="Slide 1">
+    <p:bg>
+      <p:bgPr>
+        <a:blipFill dpi="0" rotWithShape="1">
+          <a:blip r:embed="rId1">
+            <a:lum/>
+          </a:blip>
+          <a:srcRect/>
+          <a:stretch>
+            <a:fillRect/>
+          </a:stretch>
+        </a:blipFill>
+        <a:effectLst/>
+      </p:bgPr>
+    </p:bg>
     <p:spTree>
       <p:nvGrpSpPr>
         <p:cNvPr id="1" name=""/>
@@ -2205,6 +3029,20 @@
 <file path=ppt/slides/slide10.xml><?xml version="1.0" encoding="utf-8"?>
 <p:sld xmlns:a="http://schemas.openxmlformats.org/drawingml/2006/main" xmlns:r="http://schemas.openxmlformats.org/officeDocument/2006/relationships" xmlns:p="http://schemas.openxmlformats.org/presentationml/2006/main">
   <p:cSld name="Slide 10">
+    <p:bg>
+      <p:bgPr>
+        <a:blipFill dpi="0" rotWithShape="1">
+          <a:blip r:embed="rId1">
+            <a:lum/>
+          </a:blip>
+          <a:srcRect/>
+          <a:stretch>
+            <a:fillRect/>
+          </a:stretch>
+        </a:blipFill>
+        <a:effectLst/>
+      </p:bgPr>
+    </p:bg>
     <p:spTree>
       <p:nvGrpSpPr>
         <p:cNvPr id="1" name=""/>
@@ -2230,6 +3068,332 @@
 <file path=ppt/slides/slide11.xml><?xml version="1.0" encoding="utf-8"?>
 <p:sld xmlns:a="http://schemas.openxmlformats.org/drawingml/2006/main" xmlns:r="http://schemas.openxmlformats.org/officeDocument/2006/relationships" xmlns:p="http://schemas.openxmlformats.org/presentationml/2006/main">
   <p:cSld name="Slide 11">
+    <p:bg>
+      <p:bgPr>
+        <a:blipFill dpi="0" rotWithShape="1">
+          <a:blip r:embed="rId1">
+            <a:lum/>
+          </a:blip>
+          <a:srcRect/>
+          <a:stretch>
+            <a:fillRect/>
+          </a:stretch>
+        </a:blipFill>
+        <a:effectLst/>
+      </p:bgPr>
+    </p:bg>
+    <p:spTree>
+      <p:nvGrpSpPr>
+        <p:cNvPr id="1" name=""/>
+        <p:cNvGrpSpPr/>
+        <p:nvPr/>
+      </p:nvGrpSpPr>
+      <p:grpSpPr>
+        <a:xfrm>
+          <a:off x="0" y="0"/>
+          <a:ext cx="0" cy="0"/>
+          <a:chOff x="0" y="0"/>
+          <a:chExt cx="0" cy="0"/>
+        </a:xfrm>
+      </p:grpSpPr>
+    </p:spTree>
+  </p:cSld>
+  <p:clrMapOvr>
+    <a:masterClrMapping/>
+  </p:clrMapOvr>
+</p:sld>
+</file>
+
+<file path=ppt/slides/slide12.xml><?xml version="1.0" encoding="utf-8"?>
+<p:sld xmlns:a="http://schemas.openxmlformats.org/drawingml/2006/main" xmlns:r="http://schemas.openxmlformats.org/officeDocument/2006/relationships" xmlns:p="http://schemas.openxmlformats.org/presentationml/2006/main">
+  <p:cSld name="Slide 12">
+    <p:bg>
+      <p:bgPr>
+        <a:blipFill dpi="0" rotWithShape="1">
+          <a:blip r:embed="rId1">
+            <a:lum/>
+          </a:blip>
+          <a:srcRect/>
+          <a:stretch>
+            <a:fillRect/>
+          </a:stretch>
+        </a:blipFill>
+        <a:effectLst/>
+      </p:bgPr>
+    </p:bg>
+    <p:spTree>
+      <p:nvGrpSpPr>
+        <p:cNvPr id="1" name=""/>
+        <p:cNvGrpSpPr/>
+        <p:nvPr/>
+      </p:nvGrpSpPr>
+      <p:grpSpPr>
+        <a:xfrm>
+          <a:off x="0" y="0"/>
+          <a:ext cx="0" cy="0"/>
+          <a:chOff x="0" y="0"/>
+          <a:chExt cx="0" cy="0"/>
+        </a:xfrm>
+      </p:grpSpPr>
+    </p:spTree>
+  </p:cSld>
+  <p:clrMapOvr>
+    <a:masterClrMapping/>
+  </p:clrMapOvr>
+</p:sld>
+</file>
+
+<file path=ppt/slides/slide13.xml><?xml version="1.0" encoding="utf-8"?>
+<p:sld xmlns:a="http://schemas.openxmlformats.org/drawingml/2006/main" xmlns:r="http://schemas.openxmlformats.org/officeDocument/2006/relationships" xmlns:p="http://schemas.openxmlformats.org/presentationml/2006/main">
+  <p:cSld name="Slide 13">
+    <p:bg>
+      <p:bgPr>
+        <a:blipFill dpi="0" rotWithShape="1">
+          <a:blip r:embed="rId1">
+            <a:lum/>
+          </a:blip>
+          <a:srcRect/>
+          <a:stretch>
+            <a:fillRect/>
+          </a:stretch>
+        </a:blipFill>
+        <a:effectLst/>
+      </p:bgPr>
+    </p:bg>
+    <p:spTree>
+      <p:nvGrpSpPr>
+        <p:cNvPr id="1" name=""/>
+        <p:cNvGrpSpPr/>
+        <p:nvPr/>
+      </p:nvGrpSpPr>
+      <p:grpSpPr>
+        <a:xfrm>
+          <a:off x="0" y="0"/>
+          <a:ext cx="0" cy="0"/>
+          <a:chOff x="0" y="0"/>
+          <a:chExt cx="0" cy="0"/>
+        </a:xfrm>
+      </p:grpSpPr>
+    </p:spTree>
+  </p:cSld>
+  <p:clrMapOvr>
+    <a:masterClrMapping/>
+  </p:clrMapOvr>
+</p:sld>
+</file>
+
+<file path=ppt/slides/slide14.xml><?xml version="1.0" encoding="utf-8"?>
+<p:sld xmlns:a="http://schemas.openxmlformats.org/drawingml/2006/main" xmlns:r="http://schemas.openxmlformats.org/officeDocument/2006/relationships" xmlns:p="http://schemas.openxmlformats.org/presentationml/2006/main">
+  <p:cSld name="Slide 14">
+    <p:bg>
+      <p:bgPr>
+        <a:blipFill dpi="0" rotWithShape="1">
+          <a:blip r:embed="rId1">
+            <a:lum/>
+          </a:blip>
+          <a:srcRect/>
+          <a:stretch>
+            <a:fillRect/>
+          </a:stretch>
+        </a:blipFill>
+        <a:effectLst/>
+      </p:bgPr>
+    </p:bg>
+    <p:spTree>
+      <p:nvGrpSpPr>
+        <p:cNvPr id="1" name=""/>
+        <p:cNvGrpSpPr/>
+        <p:nvPr/>
+      </p:nvGrpSpPr>
+      <p:grpSpPr>
+        <a:xfrm>
+          <a:off x="0" y="0"/>
+          <a:ext cx="0" cy="0"/>
+          <a:chOff x="0" y="0"/>
+          <a:chExt cx="0" cy="0"/>
+        </a:xfrm>
+      </p:grpSpPr>
+    </p:spTree>
+  </p:cSld>
+  <p:clrMapOvr>
+    <a:masterClrMapping/>
+  </p:clrMapOvr>
+</p:sld>
+</file>
+
+<file path=ppt/slides/slide15.xml><?xml version="1.0" encoding="utf-8"?>
+<p:sld xmlns:a="http://schemas.openxmlformats.org/drawingml/2006/main" xmlns:r="http://schemas.openxmlformats.org/officeDocument/2006/relationships" xmlns:p="http://schemas.openxmlformats.org/presentationml/2006/main">
+  <p:cSld name="Slide 15">
+    <p:bg>
+      <p:bgPr>
+        <a:blipFill dpi="0" rotWithShape="1">
+          <a:blip r:embed="rId1">
+            <a:lum/>
+          </a:blip>
+          <a:srcRect/>
+          <a:stretch>
+            <a:fillRect/>
+          </a:stretch>
+        </a:blipFill>
+        <a:effectLst/>
+      </p:bgPr>
+    </p:bg>
+    <p:spTree>
+      <p:nvGrpSpPr>
+        <p:cNvPr id="1" name=""/>
+        <p:cNvGrpSpPr/>
+        <p:nvPr/>
+      </p:nvGrpSpPr>
+      <p:grpSpPr>
+        <a:xfrm>
+          <a:off x="0" y="0"/>
+          <a:ext cx="0" cy="0"/>
+          <a:chOff x="0" y="0"/>
+          <a:chExt cx="0" cy="0"/>
+        </a:xfrm>
+      </p:grpSpPr>
+    </p:spTree>
+  </p:cSld>
+  <p:clrMapOvr>
+    <a:masterClrMapping/>
+  </p:clrMapOvr>
+</p:sld>
+</file>
+
+<file path=ppt/slides/slide16.xml><?xml version="1.0" encoding="utf-8"?>
+<p:sld xmlns:a="http://schemas.openxmlformats.org/drawingml/2006/main" xmlns:r="http://schemas.openxmlformats.org/officeDocument/2006/relationships" xmlns:p="http://schemas.openxmlformats.org/presentationml/2006/main">
+  <p:cSld name="Slide 16">
+    <p:bg>
+      <p:bgPr>
+        <a:blipFill dpi="0" rotWithShape="1">
+          <a:blip r:embed="rId1">
+            <a:lum/>
+          </a:blip>
+          <a:srcRect/>
+          <a:stretch>
+            <a:fillRect/>
+          </a:stretch>
+        </a:blipFill>
+        <a:effectLst/>
+      </p:bgPr>
+    </p:bg>
+    <p:spTree>
+      <p:nvGrpSpPr>
+        <p:cNvPr id="1" name=""/>
+        <p:cNvGrpSpPr/>
+        <p:nvPr/>
+      </p:nvGrpSpPr>
+      <p:grpSpPr>
+        <a:xfrm>
+          <a:off x="0" y="0"/>
+          <a:ext cx="0" cy="0"/>
+          <a:chOff x="0" y="0"/>
+          <a:chExt cx="0" cy="0"/>
+        </a:xfrm>
+      </p:grpSpPr>
+    </p:spTree>
+  </p:cSld>
+  <p:clrMapOvr>
+    <a:masterClrMapping/>
+  </p:clrMapOvr>
+</p:sld>
+</file>
+
+<file path=ppt/slides/slide17.xml><?xml version="1.0" encoding="utf-8"?>
+<p:sld xmlns:a="http://schemas.openxmlformats.org/drawingml/2006/main" xmlns:r="http://schemas.openxmlformats.org/officeDocument/2006/relationships" xmlns:p="http://schemas.openxmlformats.org/presentationml/2006/main">
+  <p:cSld name="Slide 17">
+    <p:bg>
+      <p:bgPr>
+        <a:blipFill dpi="0" rotWithShape="1">
+          <a:blip r:embed="rId1">
+            <a:lum/>
+          </a:blip>
+          <a:srcRect/>
+          <a:stretch>
+            <a:fillRect/>
+          </a:stretch>
+        </a:blipFill>
+        <a:effectLst/>
+      </p:bgPr>
+    </p:bg>
+    <p:spTree>
+      <p:nvGrpSpPr>
+        <p:cNvPr id="1" name=""/>
+        <p:cNvGrpSpPr/>
+        <p:nvPr/>
+      </p:nvGrpSpPr>
+      <p:grpSpPr>
+        <a:xfrm>
+          <a:off x="0" y="0"/>
+          <a:ext cx="0" cy="0"/>
+          <a:chOff x="0" y="0"/>
+          <a:chExt cx="0" cy="0"/>
+        </a:xfrm>
+      </p:grpSpPr>
+    </p:spTree>
+  </p:cSld>
+  <p:clrMapOvr>
+    <a:masterClrMapping/>
+  </p:clrMapOvr>
+</p:sld>
+</file>
+
+<file path=ppt/slides/slide18.xml><?xml version="1.0" encoding="utf-8"?>
+<p:sld xmlns:a="http://schemas.openxmlformats.org/drawingml/2006/main" xmlns:r="http://schemas.openxmlformats.org/officeDocument/2006/relationships" xmlns:p="http://schemas.openxmlformats.org/presentationml/2006/main">
+  <p:cSld name="Slide 18">
+    <p:bg>
+      <p:bgPr>
+        <a:blipFill dpi="0" rotWithShape="1">
+          <a:blip r:embed="rId1">
+            <a:lum/>
+          </a:blip>
+          <a:srcRect/>
+          <a:stretch>
+            <a:fillRect/>
+          </a:stretch>
+        </a:blipFill>
+        <a:effectLst/>
+      </p:bgPr>
+    </p:bg>
+    <p:spTree>
+      <p:nvGrpSpPr>
+        <p:cNvPr id="1" name=""/>
+        <p:cNvGrpSpPr/>
+        <p:nvPr/>
+      </p:nvGrpSpPr>
+      <p:grpSpPr>
+        <a:xfrm>
+          <a:off x="0" y="0"/>
+          <a:ext cx="0" cy="0"/>
+          <a:chOff x="0" y="0"/>
+          <a:chExt cx="0" cy="0"/>
+        </a:xfrm>
+      </p:grpSpPr>
+    </p:spTree>
+  </p:cSld>
+  <p:clrMapOvr>
+    <a:masterClrMapping/>
+  </p:clrMapOvr>
+</p:sld>
+</file>
+
+<file path=ppt/slides/slide19.xml><?xml version="1.0" encoding="utf-8"?>
+<p:sld xmlns:a="http://schemas.openxmlformats.org/drawingml/2006/main" xmlns:r="http://schemas.openxmlformats.org/officeDocument/2006/relationships" xmlns:p="http://schemas.openxmlformats.org/presentationml/2006/main">
+  <p:cSld name="Slide 19">
+    <p:bg>
+      <p:bgPr>
+        <a:blipFill dpi="0" rotWithShape="1">
+          <a:blip r:embed="rId1">
+            <a:lum/>
+          </a:blip>
+          <a:srcRect/>
+          <a:stretch>
+            <a:fillRect/>
+          </a:stretch>
+        </a:blipFill>
+        <a:effectLst/>
+      </p:bgPr>
+    </p:bg>
     <p:spTree>
       <p:nvGrpSpPr>
         <p:cNvPr id="1" name=""/>
@@ -2255,6 +3419,254 @@
 <file path=ppt/slides/slide2.xml><?xml version="1.0" encoding="utf-8"?>
 <p:sld xmlns:a="http://schemas.openxmlformats.org/drawingml/2006/main" xmlns:r="http://schemas.openxmlformats.org/officeDocument/2006/relationships" xmlns:p="http://schemas.openxmlformats.org/presentationml/2006/main">
   <p:cSld name="Slide 2">
+    <p:bg>
+      <p:bgPr>
+        <a:blipFill dpi="0" rotWithShape="1">
+          <a:blip r:embed="rId1">
+            <a:lum/>
+          </a:blip>
+          <a:srcRect/>
+          <a:stretch>
+            <a:fillRect/>
+          </a:stretch>
+        </a:blipFill>
+        <a:effectLst/>
+      </p:bgPr>
+    </p:bg>
+    <p:spTree>
+      <p:nvGrpSpPr>
+        <p:cNvPr id="1" name=""/>
+        <p:cNvGrpSpPr/>
+        <p:nvPr/>
+      </p:nvGrpSpPr>
+      <p:grpSpPr>
+        <a:xfrm>
+          <a:off x="0" y="0"/>
+          <a:ext cx="0" cy="0"/>
+          <a:chOff x="0" y="0"/>
+          <a:chExt cx="0" cy="0"/>
+        </a:xfrm>
+      </p:grpSpPr>
+    </p:spTree>
+  </p:cSld>
+  <p:clrMapOvr>
+    <a:masterClrMapping/>
+  </p:clrMapOvr>
+</p:sld>
+</file>
+
+<file path=ppt/slides/slide20.xml><?xml version="1.0" encoding="utf-8"?>
+<p:sld xmlns:a="http://schemas.openxmlformats.org/drawingml/2006/main" xmlns:r="http://schemas.openxmlformats.org/officeDocument/2006/relationships" xmlns:p="http://schemas.openxmlformats.org/presentationml/2006/main">
+  <p:cSld name="Slide 20">
+    <p:bg>
+      <p:bgPr>
+        <a:blipFill dpi="0" rotWithShape="1">
+          <a:blip r:embed="rId1">
+            <a:lum/>
+          </a:blip>
+          <a:srcRect/>
+          <a:stretch>
+            <a:fillRect/>
+          </a:stretch>
+        </a:blipFill>
+        <a:effectLst/>
+      </p:bgPr>
+    </p:bg>
+    <p:spTree>
+      <p:nvGrpSpPr>
+        <p:cNvPr id="1" name=""/>
+        <p:cNvGrpSpPr/>
+        <p:nvPr/>
+      </p:nvGrpSpPr>
+      <p:grpSpPr>
+        <a:xfrm>
+          <a:off x="0" y="0"/>
+          <a:ext cx="0" cy="0"/>
+          <a:chOff x="0" y="0"/>
+          <a:chExt cx="0" cy="0"/>
+        </a:xfrm>
+      </p:grpSpPr>
+    </p:spTree>
+  </p:cSld>
+  <p:clrMapOvr>
+    <a:masterClrMapping/>
+  </p:clrMapOvr>
+</p:sld>
+</file>
+
+<file path=ppt/slides/slide21.xml><?xml version="1.0" encoding="utf-8"?>
+<p:sld xmlns:a="http://schemas.openxmlformats.org/drawingml/2006/main" xmlns:r="http://schemas.openxmlformats.org/officeDocument/2006/relationships" xmlns:p="http://schemas.openxmlformats.org/presentationml/2006/main">
+  <p:cSld name="Slide 21">
+    <p:bg>
+      <p:bgPr>
+        <a:blipFill dpi="0" rotWithShape="1">
+          <a:blip r:embed="rId1">
+            <a:lum/>
+          </a:blip>
+          <a:srcRect/>
+          <a:stretch>
+            <a:fillRect/>
+          </a:stretch>
+        </a:blipFill>
+        <a:effectLst/>
+      </p:bgPr>
+    </p:bg>
+    <p:spTree>
+      <p:nvGrpSpPr>
+        <p:cNvPr id="1" name=""/>
+        <p:cNvGrpSpPr/>
+        <p:nvPr/>
+      </p:nvGrpSpPr>
+      <p:grpSpPr>
+        <a:xfrm>
+          <a:off x="0" y="0"/>
+          <a:ext cx="0" cy="0"/>
+          <a:chOff x="0" y="0"/>
+          <a:chExt cx="0" cy="0"/>
+        </a:xfrm>
+      </p:grpSpPr>
+    </p:spTree>
+  </p:cSld>
+  <p:clrMapOvr>
+    <a:masterClrMapping/>
+  </p:clrMapOvr>
+</p:sld>
+</file>
+
+<file path=ppt/slides/slide22.xml><?xml version="1.0" encoding="utf-8"?>
+<p:sld xmlns:a="http://schemas.openxmlformats.org/drawingml/2006/main" xmlns:r="http://schemas.openxmlformats.org/officeDocument/2006/relationships" xmlns:p="http://schemas.openxmlformats.org/presentationml/2006/main">
+  <p:cSld name="Slide 22">
+    <p:bg>
+      <p:bgPr>
+        <a:blipFill dpi="0" rotWithShape="1">
+          <a:blip r:embed="rId1">
+            <a:lum/>
+          </a:blip>
+          <a:srcRect/>
+          <a:stretch>
+            <a:fillRect/>
+          </a:stretch>
+        </a:blipFill>
+        <a:effectLst/>
+      </p:bgPr>
+    </p:bg>
+    <p:spTree>
+      <p:nvGrpSpPr>
+        <p:cNvPr id="1" name=""/>
+        <p:cNvGrpSpPr/>
+        <p:nvPr/>
+      </p:nvGrpSpPr>
+      <p:grpSpPr>
+        <a:xfrm>
+          <a:off x="0" y="0"/>
+          <a:ext cx="0" cy="0"/>
+          <a:chOff x="0" y="0"/>
+          <a:chExt cx="0" cy="0"/>
+        </a:xfrm>
+      </p:grpSpPr>
+    </p:spTree>
+  </p:cSld>
+  <p:clrMapOvr>
+    <a:masterClrMapping/>
+  </p:clrMapOvr>
+</p:sld>
+</file>
+
+<file path=ppt/slides/slide23.xml><?xml version="1.0" encoding="utf-8"?>
+<p:sld xmlns:a="http://schemas.openxmlformats.org/drawingml/2006/main" xmlns:r="http://schemas.openxmlformats.org/officeDocument/2006/relationships" xmlns:p="http://schemas.openxmlformats.org/presentationml/2006/main">
+  <p:cSld name="Slide 23">
+    <p:bg>
+      <p:bgPr>
+        <a:blipFill dpi="0" rotWithShape="1">
+          <a:blip r:embed="rId1">
+            <a:lum/>
+          </a:blip>
+          <a:srcRect/>
+          <a:stretch>
+            <a:fillRect/>
+          </a:stretch>
+        </a:blipFill>
+        <a:effectLst/>
+      </p:bgPr>
+    </p:bg>
+    <p:spTree>
+      <p:nvGrpSpPr>
+        <p:cNvPr id="1" name=""/>
+        <p:cNvGrpSpPr/>
+        <p:nvPr/>
+      </p:nvGrpSpPr>
+      <p:grpSpPr>
+        <a:xfrm>
+          <a:off x="0" y="0"/>
+          <a:ext cx="0" cy="0"/>
+          <a:chOff x="0" y="0"/>
+          <a:chExt cx="0" cy="0"/>
+        </a:xfrm>
+      </p:grpSpPr>
+    </p:spTree>
+  </p:cSld>
+  <p:clrMapOvr>
+    <a:masterClrMapping/>
+  </p:clrMapOvr>
+</p:sld>
+</file>
+
+<file path=ppt/slides/slide24.xml><?xml version="1.0" encoding="utf-8"?>
+<p:sld xmlns:a="http://schemas.openxmlformats.org/drawingml/2006/main" xmlns:r="http://schemas.openxmlformats.org/officeDocument/2006/relationships" xmlns:p="http://schemas.openxmlformats.org/presentationml/2006/main">
+  <p:cSld name="Slide 24">
+    <p:bg>
+      <p:bgPr>
+        <a:blipFill dpi="0" rotWithShape="1">
+          <a:blip r:embed="rId1">
+            <a:lum/>
+          </a:blip>
+          <a:srcRect/>
+          <a:stretch>
+            <a:fillRect/>
+          </a:stretch>
+        </a:blipFill>
+        <a:effectLst/>
+      </p:bgPr>
+    </p:bg>
+    <p:spTree>
+      <p:nvGrpSpPr>
+        <p:cNvPr id="1" name=""/>
+        <p:cNvGrpSpPr/>
+        <p:nvPr/>
+      </p:nvGrpSpPr>
+      <p:grpSpPr>
+        <a:xfrm>
+          <a:off x="0" y="0"/>
+          <a:ext cx="0" cy="0"/>
+          <a:chOff x="0" y="0"/>
+          <a:chExt cx="0" cy="0"/>
+        </a:xfrm>
+      </p:grpSpPr>
+    </p:spTree>
+  </p:cSld>
+  <p:clrMapOvr>
+    <a:masterClrMapping/>
+  </p:clrMapOvr>
+</p:sld>
+</file>
+
+<file path=ppt/slides/slide25.xml><?xml version="1.0" encoding="utf-8"?>
+<p:sld xmlns:a="http://schemas.openxmlformats.org/drawingml/2006/main" xmlns:r="http://schemas.openxmlformats.org/officeDocument/2006/relationships" xmlns:p="http://schemas.openxmlformats.org/presentationml/2006/main">
+  <p:cSld name="Slide 25">
+    <p:bg>
+      <p:bgPr>
+        <a:blipFill dpi="0" rotWithShape="1">
+          <a:blip r:embed="rId1">
+            <a:lum/>
+          </a:blip>
+          <a:srcRect/>
+          <a:stretch>
+            <a:fillRect/>
+          </a:stretch>
+        </a:blipFill>
+        <a:effectLst/>
+      </p:bgPr>
+    </p:bg>
     <p:spTree>
       <p:nvGrpSpPr>
         <p:cNvPr id="1" name=""/>
@@ -2280,6 +3692,20 @@
 <file path=ppt/slides/slide3.xml><?xml version="1.0" encoding="utf-8"?>
 <p:sld xmlns:a="http://schemas.openxmlformats.org/drawingml/2006/main" xmlns:r="http://schemas.openxmlformats.org/officeDocument/2006/relationships" xmlns:p="http://schemas.openxmlformats.org/presentationml/2006/main">
   <p:cSld name="Slide 3">
+    <p:bg>
+      <p:bgPr>
+        <a:blipFill dpi="0" rotWithShape="1">
+          <a:blip r:embed="rId1">
+            <a:lum/>
+          </a:blip>
+          <a:srcRect/>
+          <a:stretch>
+            <a:fillRect/>
+          </a:stretch>
+        </a:blipFill>
+        <a:effectLst/>
+      </p:bgPr>
+    </p:bg>
     <p:spTree>
       <p:nvGrpSpPr>
         <p:cNvPr id="1" name=""/>
@@ -2305,6 +3731,20 @@
 <file path=ppt/slides/slide4.xml><?xml version="1.0" encoding="utf-8"?>
 <p:sld xmlns:a="http://schemas.openxmlformats.org/drawingml/2006/main" xmlns:r="http://schemas.openxmlformats.org/officeDocument/2006/relationships" xmlns:p="http://schemas.openxmlformats.org/presentationml/2006/main">
   <p:cSld name="Slide 4">
+    <p:bg>
+      <p:bgPr>
+        <a:blipFill dpi="0" rotWithShape="1">
+          <a:blip r:embed="rId1">
+            <a:lum/>
+          </a:blip>
+          <a:srcRect/>
+          <a:stretch>
+            <a:fillRect/>
+          </a:stretch>
+        </a:blipFill>
+        <a:effectLst/>
+      </p:bgPr>
+    </p:bg>
     <p:spTree>
       <p:nvGrpSpPr>
         <p:cNvPr id="1" name=""/>
@@ -2330,6 +3770,20 @@
 <file path=ppt/slides/slide5.xml><?xml version="1.0" encoding="utf-8"?>
 <p:sld xmlns:a="http://schemas.openxmlformats.org/drawingml/2006/main" xmlns:r="http://schemas.openxmlformats.org/officeDocument/2006/relationships" xmlns:p="http://schemas.openxmlformats.org/presentationml/2006/main">
   <p:cSld name="Slide 5">
+    <p:bg>
+      <p:bgPr>
+        <a:blipFill dpi="0" rotWithShape="1">
+          <a:blip r:embed="rId1">
+            <a:lum/>
+          </a:blip>
+          <a:srcRect/>
+          <a:stretch>
+            <a:fillRect/>
+          </a:stretch>
+        </a:blipFill>
+        <a:effectLst/>
+      </p:bgPr>
+    </p:bg>
     <p:spTree>
       <p:nvGrpSpPr>
         <p:cNvPr id="1" name=""/>
@@ -2355,6 +3809,20 @@
 <file path=ppt/slides/slide6.xml><?xml version="1.0" encoding="utf-8"?>
 <p:sld xmlns:a="http://schemas.openxmlformats.org/drawingml/2006/main" xmlns:r="http://schemas.openxmlformats.org/officeDocument/2006/relationships" xmlns:p="http://schemas.openxmlformats.org/presentationml/2006/main">
   <p:cSld name="Slide 6">
+    <p:bg>
+      <p:bgPr>
+        <a:blipFill dpi="0" rotWithShape="1">
+          <a:blip r:embed="rId1">
+            <a:lum/>
+          </a:blip>
+          <a:srcRect/>
+          <a:stretch>
+            <a:fillRect/>
+          </a:stretch>
+        </a:blipFill>
+        <a:effectLst/>
+      </p:bgPr>
+    </p:bg>
     <p:spTree>
       <p:nvGrpSpPr>
         <p:cNvPr id="1" name=""/>
@@ -2380,6 +3848,20 @@
 <file path=ppt/slides/slide7.xml><?xml version="1.0" encoding="utf-8"?>
 <p:sld xmlns:a="http://schemas.openxmlformats.org/drawingml/2006/main" xmlns:r="http://schemas.openxmlformats.org/officeDocument/2006/relationships" xmlns:p="http://schemas.openxmlformats.org/presentationml/2006/main">
   <p:cSld name="Slide 7">
+    <p:bg>
+      <p:bgPr>
+        <a:blipFill dpi="0" rotWithShape="1">
+          <a:blip r:embed="rId1">
+            <a:lum/>
+          </a:blip>
+          <a:srcRect/>
+          <a:stretch>
+            <a:fillRect/>
+          </a:stretch>
+        </a:blipFill>
+        <a:effectLst/>
+      </p:bgPr>
+    </p:bg>
     <p:spTree>
       <p:nvGrpSpPr>
         <p:cNvPr id="1" name=""/>
@@ -2405,6 +3887,20 @@
 <file path=ppt/slides/slide8.xml><?xml version="1.0" encoding="utf-8"?>
 <p:sld xmlns:a="http://schemas.openxmlformats.org/drawingml/2006/main" xmlns:r="http://schemas.openxmlformats.org/officeDocument/2006/relationships" xmlns:p="http://schemas.openxmlformats.org/presentationml/2006/main">
   <p:cSld name="Slide 8">
+    <p:bg>
+      <p:bgPr>
+        <a:blipFill dpi="0" rotWithShape="1">
+          <a:blip r:embed="rId1">
+            <a:lum/>
+          </a:blip>
+          <a:srcRect/>
+          <a:stretch>
+            <a:fillRect/>
+          </a:stretch>
+        </a:blipFill>
+        <a:effectLst/>
+      </p:bgPr>
+    </p:bg>
     <p:spTree>
       <p:nvGrpSpPr>
         <p:cNvPr id="1" name=""/>
@@ -2430,6 +3926,20 @@
 <file path=ppt/slides/slide9.xml><?xml version="1.0" encoding="utf-8"?>
 <p:sld xmlns:a="http://schemas.openxmlformats.org/drawingml/2006/main" xmlns:r="http://schemas.openxmlformats.org/officeDocument/2006/relationships" xmlns:p="http://schemas.openxmlformats.org/presentationml/2006/main">
   <p:cSld name="Slide 9">
+    <p:bg>
+      <p:bgPr>
+        <a:blipFill dpi="0" rotWithShape="1">
+          <a:blip r:embed="rId1">
+            <a:lum/>
+          </a:blip>
+          <a:srcRect/>
+          <a:stretch>
+            <a:fillRect/>
+          </a:stretch>
+        </a:blipFill>
+        <a:effectLst/>
+      </p:bgPr>
+    </p:bg>
     <p:spTree>
       <p:nvGrpSpPr>
         <p:cNvPr id="1" name=""/>
@@ -2463,44 +3973,44 @@
         <a:sysClr val="window" lastClr="FFFFFF"/>
       </a:lt1>
       <a:dk2>
-        <a:srgbClr val="A7A7A7"/>
+        <a:srgbClr val="44546A"/>
       </a:dk2>
       <a:lt2>
-        <a:srgbClr val="535353"/>
+        <a:srgbClr val="E7E6E6"/>
       </a:lt2>
       <a:accent1>
-        <a:srgbClr val="4F81BD"/>
+        <a:srgbClr val="4472C4"/>
       </a:accent1>
       <a:accent2>
-        <a:srgbClr val="C0504D"/>
+        <a:srgbClr val="ED7D31"/>
       </a:accent2>
       <a:accent3>
-        <a:srgbClr val="9BBB59"/>
+        <a:srgbClr val="A5A5A5"/>
       </a:accent3>
       <a:accent4>
-        <a:srgbClr val="8064A2"/>
+        <a:srgbClr val="FFC000"/>
       </a:accent4>
       <a:accent5>
-        <a:srgbClr val="4BACC6"/>
+        <a:srgbClr val="5B9BD5"/>
       </a:accent5>
       <a:accent6>
-        <a:srgbClr val="F79646"/>
+        <a:srgbClr val="70AD47"/>
       </a:accent6>
       <a:hlink>
-        <a:srgbClr val="0000FF"/>
+        <a:srgbClr val="0563C1"/>
       </a:hlink>
       <a:folHlink>
-        <a:srgbClr val="800080"/>
+        <a:srgbClr val="954F72"/>
       </a:folHlink>
     </a:clrScheme>
     <a:fontScheme name="Office">
       <a:majorFont>
-        <a:latin typeface="Arial"/>
+        <a:latin typeface="Calibri Light" panose="020F0302020204030204"/>
         <a:ea typeface=""/>
         <a:cs typeface=""/>
-        <a:font script="Jpan" typeface="Yu Gothic Light"/>
+        <a:font script="Jpan" typeface="游ゴシック Light"/>
         <a:font script="Hang" typeface="맑은 고딕"/>
-        <a:font script="Hans" typeface="DengXian Light"/>
+        <a:font script="Hans" typeface="等线 Light"/>
         <a:font script="Hant" typeface="新細明體"/>
         <a:font script="Arab" typeface="Times New Roman"/>
         <a:font script="Hebr" typeface="Times New Roman"/>
@@ -2527,14 +4037,32 @@
         <a:font script="Mong" typeface="Mongolian Baiti"/>
         <a:font script="Viet" typeface="Times New Roman"/>
         <a:font script="Uigh" typeface="Microsoft Uighur"/>
+        <a:font script="Geor" typeface="Sylfaen"/>
+        <a:font script="Armn" typeface="Arial"/>
+        <a:font script="Bugi" typeface="Leelawadee UI"/>
+        <a:font script="Bopo" typeface="Microsoft JhengHei"/>
+        <a:font script="Java" typeface="Javanese Text"/>
+        <a:font script="Lisu" typeface="Segoe UI"/>
+        <a:font script="Mymr" typeface="Myanmar Text"/>
+        <a:font script="Nkoo" typeface="Ebrima"/>
+        <a:font script="Olck" typeface="Nirmala UI"/>
+        <a:font script="Osma" typeface="Ebrima"/>
+        <a:font script="Phag" typeface="Phagspa"/>
+        <a:font script="Syrn" typeface="Estrangelo Edessa"/>
+        <a:font script="Syrj" typeface="Estrangelo Edessa"/>
+        <a:font script="Syre" typeface="Estrangelo Edessa"/>
+        <a:font script="Sora" typeface="Nirmala UI"/>
+        <a:font script="Tale" typeface="Microsoft Tai Le"/>
+        <a:font script="Talu" typeface="Microsoft New Tai Lue"/>
+        <a:font script="Tfng" typeface="Ebrima"/>
       </a:majorFont>
       <a:minorFont>
-        <a:latin typeface="Arial"/>
+        <a:latin typeface="Calibri" panose="020F0502020204030204"/>
         <a:ea typeface=""/>
         <a:cs typeface=""/>
-        <a:font script="Jpan" typeface="Yu Gothic"/>
+        <a:font script="Jpan" typeface="游ゴシック"/>
         <a:font script="Hang" typeface="맑은 고딕"/>
-        <a:font script="Hans" typeface="DengXian"/>
+        <a:font script="Hans" typeface="等线"/>
         <a:font script="Hant" typeface="新細明體"/>
         <a:font script="Arab" typeface="Arial"/>
         <a:font script="Hebr" typeface="Arial"/>
@@ -2561,6 +4089,24 @@
         <a:font script="Mong" typeface="Mongolian Baiti"/>
         <a:font script="Viet" typeface="Arial"/>
         <a:font script="Uigh" typeface="Microsoft Uighur"/>
+        <a:font script="Geor" typeface="Sylfaen"/>
+        <a:font script="Armn" typeface="Arial"/>
+        <a:font script="Bugi" typeface="Leelawadee UI"/>
+        <a:font script="Bopo" typeface="Microsoft JhengHei"/>
+        <a:font script="Java" typeface="Javanese Text"/>
+        <a:font script="Lisu" typeface="Segoe UI"/>
+        <a:font script="Mymr" typeface="Myanmar Text"/>
+        <a:font script="Nkoo" typeface="Ebrima"/>
+        <a:font script="Olck" typeface="Nirmala UI"/>
+        <a:font script="Osma" typeface="Ebrima"/>
+        <a:font script="Phag" typeface="Phagspa"/>
+        <a:font script="Syrn" typeface="Estrangelo Edessa"/>
+        <a:font script="Syrj" typeface="Estrangelo Edessa"/>
+        <a:font script="Syre" typeface="Estrangelo Edessa"/>
+        <a:font script="Sora" typeface="Nirmala UI"/>
+        <a:font script="Tale" typeface="Microsoft Tai Le"/>
+        <a:font script="Talu" typeface="Microsoft New Tai Lue"/>
+        <a:font script="Tfng" typeface="Ebrima"/>
       </a:minorFont>
     </a:fontScheme>
     <a:fmtScheme name="Office">
@@ -2572,165 +4118,141 @@
           <a:gsLst>
             <a:gs pos="0">
               <a:schemeClr val="phClr">
-                <a:tint val="50000"/>
-                <a:satMod val="300000"/>
+                <a:lumMod val="110000"/>
+                <a:satMod val="105000"/>
+                <a:tint val="67000"/>
               </a:schemeClr>
             </a:gs>
-            <a:gs pos="35000">
+            <a:gs pos="50000">
               <a:schemeClr val="phClr">
-                <a:tint val="37000"/>
-                <a:satMod val="300000"/>
+                <a:lumMod val="105000"/>
+                <a:satMod val="103000"/>
+                <a:tint val="73000"/>
               </a:schemeClr>
             </a:gs>
             <a:gs pos="100000">
               <a:schemeClr val="phClr">
-                <a:tint val="15000"/>
-                <a:satMod val="350000"/>
+                <a:lumMod val="105000"/>
+                <a:satMod val="109000"/>
+                <a:tint val="81000"/>
               </a:schemeClr>
             </a:gs>
           </a:gsLst>
-          <a:lin ang="16200000" scaled="1"/>
+          <a:lin ang="5400000" scaled="0"/>
         </a:gradFill>
         <a:gradFill rotWithShape="1">
           <a:gsLst>
             <a:gs pos="0">
               <a:schemeClr val="phClr">
-                <a:shade val="51000"/>
-                <a:satMod val="130000"/>
+                <a:satMod val="103000"/>
+                <a:lumMod val="102000"/>
+                <a:tint val="94000"/>
               </a:schemeClr>
             </a:gs>
-            <a:gs pos="80000">
+            <a:gs pos="50000">
               <a:schemeClr val="phClr">
-                <a:shade val="93000"/>
-                <a:satMod val="130000"/>
+                <a:satMod val="110000"/>
+                <a:lumMod val="100000"/>
+                <a:shade val="100000"/>
               </a:schemeClr>
             </a:gs>
             <a:gs pos="100000">
               <a:schemeClr val="phClr">
-                <a:shade val="94000"/>
-                <a:satMod val="135000"/>
+                <a:lumMod val="99000"/>
+                <a:satMod val="120000"/>
+                <a:shade val="78000"/>
               </a:schemeClr>
             </a:gs>
           </a:gsLst>
-          <a:lin ang="16200000" scaled="0"/>
+          <a:lin ang="5400000" scaled="0"/>
         </a:gradFill>
       </a:fillStyleLst>
       <a:lnStyleLst>
-        <a:ln w="9525" cap="flat" cmpd="sng" algn="ctr">
-          <a:solidFill>
-            <a:schemeClr val="phClr">
-              <a:shade val="95000"/>
-              <a:satMod val="105000"/>
-            </a:schemeClr>
-          </a:solidFill>
-          <a:prstDash val="solid"/>
-        </a:ln>
-        <a:ln w="25400" cap="flat" cmpd="sng" algn="ctr">
+        <a:ln w="6350" cap="flat" cmpd="sng" algn="ctr">
           <a:solidFill>
             <a:schemeClr val="phClr"/>
           </a:solidFill>
           <a:prstDash val="solid"/>
+          <a:miter lim="800000"/>
         </a:ln>
-        <a:ln w="38100" cap="flat" cmpd="sng" algn="ctr">
+        <a:ln w="12700" cap="flat" cmpd="sng" algn="ctr">
           <a:solidFill>
             <a:schemeClr val="phClr"/>
           </a:solidFill>
           <a:prstDash val="solid"/>
+          <a:miter lim="800000"/>
+        </a:ln>
+        <a:ln w="19050" cap="flat" cmpd="sng" algn="ctr">
+          <a:solidFill>
+            <a:schemeClr val="phClr"/>
+          </a:solidFill>
+          <a:prstDash val="solid"/>
+          <a:miter lim="800000"/>
         </a:ln>
       </a:lnStyleLst>
       <a:effectStyleLst>
         <a:effectStyle>
+          <a:effectLst/>
+        </a:effectStyle>
+        <a:effectStyle>
+          <a:effectLst/>
+        </a:effectStyle>
+        <a:effectStyle>
           <a:effectLst>
-            <a:outerShdw blurRad="40000" dist="20000" dir="5400000" rotWithShape="0">
+            <a:outerShdw blurRad="57150" dist="19050" dir="5400000" algn="ctr" rotWithShape="0">
               <a:srgbClr val="000000">
-                <a:alpha val="38000"/>
+                <a:alpha val="63000"/>
               </a:srgbClr>
             </a:outerShdw>
           </a:effectLst>
-        </a:effectStyle>
-        <a:effectStyle>
-          <a:effectLst>
-            <a:outerShdw blurRad="40000" dist="23000" dir="5400000" rotWithShape="0">
-              <a:srgbClr val="000000">
-                <a:alpha val="35000"/>
-              </a:srgbClr>
-            </a:outerShdw>
-          </a:effectLst>
-        </a:effectStyle>
-        <a:effectStyle>
-          <a:effectLst>
-            <a:outerShdw blurRad="40000" dist="23000" dir="5400000" rotWithShape="0">
-              <a:srgbClr val="000000">
-                <a:alpha val="35000"/>
-              </a:srgbClr>
-            </a:outerShdw>
-          </a:effectLst>
-          <a:scene3d>
-            <a:camera prst="orthographicFront">
-              <a:rot lat="0" lon="0" rev="0"/>
-            </a:camera>
-            <a:lightRig rig="threePt" dir="t">
-              <a:rot lat="0" lon="0" rev="1200000"/>
-            </a:lightRig>
-          </a:scene3d>
-          <a:sp3d>
-            <a:bevelT w="63500" h="25400"/>
-          </a:sp3d>
         </a:effectStyle>
       </a:effectStyleLst>
       <a:bgFillStyleLst>
         <a:solidFill>
           <a:schemeClr val="phClr"/>
         </a:solidFill>
+        <a:solidFill>
+          <a:schemeClr val="phClr">
+            <a:tint val="95000"/>
+            <a:satMod val="170000"/>
+          </a:schemeClr>
+        </a:solidFill>
         <a:gradFill rotWithShape="1">
           <a:gsLst>
             <a:gs pos="0">
               <a:schemeClr val="phClr">
-                <a:tint val="40000"/>
-                <a:satMod val="350000"/>
+                <a:tint val="93000"/>
+                <a:satMod val="150000"/>
+                <a:shade val="98000"/>
+                <a:lumMod val="102000"/>
               </a:schemeClr>
             </a:gs>
-            <a:gs pos="40000">
+            <a:gs pos="50000">
               <a:schemeClr val="phClr">
-                <a:tint val="45000"/>
-                <a:shade val="99000"/>
-                <a:satMod val="350000"/>
+                <a:tint val="98000"/>
+                <a:satMod val="130000"/>
+                <a:shade val="90000"/>
+                <a:lumMod val="103000"/>
               </a:schemeClr>
             </a:gs>
             <a:gs pos="100000">
               <a:schemeClr val="phClr">
-                <a:shade val="20000"/>
-                <a:satMod val="255000"/>
+                <a:shade val="63000"/>
+                <a:satMod val="120000"/>
               </a:schemeClr>
             </a:gs>
           </a:gsLst>
-          <a:path path="circle">
-            <a:fillToRect l="50000" t="-80000" r="50000" b="180000"/>
-          </a:path>
-        </a:gradFill>
-        <a:gradFill rotWithShape="1">
-          <a:gsLst>
-            <a:gs pos="0">
-              <a:schemeClr val="phClr">
-                <a:tint val="80000"/>
-                <a:satMod val="300000"/>
-              </a:schemeClr>
-            </a:gs>
-            <a:gs pos="100000">
-              <a:schemeClr val="phClr">
-                <a:shade val="30000"/>
-                <a:satMod val="200000"/>
-              </a:schemeClr>
-            </a:gs>
-          </a:gsLst>
-          <a:path path="circle">
-            <a:fillToRect l="50000" t="50000" r="50000" b="50000"/>
-          </a:path>
+          <a:lin ang="5400000" scaled="0"/>
         </a:gradFill>
       </a:bgFillStyleLst>
     </a:fmtScheme>
   </a:themeElements>
   <a:objectDefaults/>
   <a:extraClrSchemeLst/>
+  <a:extLst>
+    <a:ext uri="{05A4C25C-085E-4340-85A3-A5531E510DB2}">
+      <thm15:themeFamily xmlns:thm15="http://schemas.microsoft.com/office/thememl/2012/main" name="Office Theme" id="{62F939B6-93AF-4DB8-9C6B-D6C7DFDC589F}" vid="{4A3C46E8-61CC-4603-A589-7422A47A8E4A}"/>
+    </a:ext>
+  </a:extLst>
 </a:theme>
 </file>